--- a/docs/diagrams/LogicCommandBondPackage.pptx
+++ b/docs/diagrams/LogicCommandBondPackage.pptx
@@ -104,6 +104,11 @@
       </a:defRPr>
     </a:lvl9pPr>
   </p:defaultTextStyle>
+  <p:extLst>
+    <p:ext uri="{EFAFB233-063F-42B5-8137-9DF3F51BA10A}">
+      <p15:sldGuideLst xmlns:p15="http://schemas.microsoft.com/office/powerpoint/2012/main"/>
+    </p:ext>
+  </p:extLst>
 </p:presentation>
 </file>
 
@@ -256,7 +261,7 @@
           <a:p>
             <a:fld id="{0664A5E6-A9E0-3C4B-8245-724848CC6E69}" type="datetimeFigureOut">
               <a:rPr lang="en-US" smtClean="0"/>
-              <a:t>10/22/19</a:t>
+              <a:t>10/24/2019</a:t>
             </a:fld>
             <a:endParaRPr lang="en-US"/>
           </a:p>
@@ -456,7 +461,7 @@
           <a:p>
             <a:fld id="{0664A5E6-A9E0-3C4B-8245-724848CC6E69}" type="datetimeFigureOut">
               <a:rPr lang="en-US" smtClean="0"/>
-              <a:t>10/22/19</a:t>
+              <a:t>10/24/2019</a:t>
             </a:fld>
             <a:endParaRPr lang="en-US"/>
           </a:p>
@@ -666,7 +671,7 @@
           <a:p>
             <a:fld id="{0664A5E6-A9E0-3C4B-8245-724848CC6E69}" type="datetimeFigureOut">
               <a:rPr lang="en-US" smtClean="0"/>
-              <a:t>10/22/19</a:t>
+              <a:t>10/24/2019</a:t>
             </a:fld>
             <a:endParaRPr lang="en-US"/>
           </a:p>
@@ -866,7 +871,7 @@
           <a:p>
             <a:fld id="{0664A5E6-A9E0-3C4B-8245-724848CC6E69}" type="datetimeFigureOut">
               <a:rPr lang="en-US" smtClean="0"/>
-              <a:t>10/22/19</a:t>
+              <a:t>10/24/2019</a:t>
             </a:fld>
             <a:endParaRPr lang="en-US"/>
           </a:p>
@@ -1142,7 +1147,7 @@
           <a:p>
             <a:fld id="{0664A5E6-A9E0-3C4B-8245-724848CC6E69}" type="datetimeFigureOut">
               <a:rPr lang="en-US" smtClean="0"/>
-              <a:t>10/22/19</a:t>
+              <a:t>10/24/2019</a:t>
             </a:fld>
             <a:endParaRPr lang="en-US"/>
           </a:p>
@@ -1410,7 +1415,7 @@
           <a:p>
             <a:fld id="{0664A5E6-A9E0-3C4B-8245-724848CC6E69}" type="datetimeFigureOut">
               <a:rPr lang="en-US" smtClean="0"/>
-              <a:t>10/22/19</a:t>
+              <a:t>10/24/2019</a:t>
             </a:fld>
             <a:endParaRPr lang="en-US"/>
           </a:p>
@@ -1825,7 +1830,7 @@
           <a:p>
             <a:fld id="{0664A5E6-A9E0-3C4B-8245-724848CC6E69}" type="datetimeFigureOut">
               <a:rPr lang="en-US" smtClean="0"/>
-              <a:t>10/22/19</a:t>
+              <a:t>10/24/2019</a:t>
             </a:fld>
             <a:endParaRPr lang="en-US"/>
           </a:p>
@@ -1967,7 +1972,7 @@
           <a:p>
             <a:fld id="{0664A5E6-A9E0-3C4B-8245-724848CC6E69}" type="datetimeFigureOut">
               <a:rPr lang="en-US" smtClean="0"/>
-              <a:t>10/22/19</a:t>
+              <a:t>10/24/2019</a:t>
             </a:fld>
             <a:endParaRPr lang="en-US"/>
           </a:p>
@@ -2080,7 +2085,7 @@
           <a:p>
             <a:fld id="{0664A5E6-A9E0-3C4B-8245-724848CC6E69}" type="datetimeFigureOut">
               <a:rPr lang="en-US" smtClean="0"/>
-              <a:t>10/22/19</a:t>
+              <a:t>10/24/2019</a:t>
             </a:fld>
             <a:endParaRPr lang="en-US"/>
           </a:p>
@@ -2393,7 +2398,7 @@
           <a:p>
             <a:fld id="{0664A5E6-A9E0-3C4B-8245-724848CC6E69}" type="datetimeFigureOut">
               <a:rPr lang="en-US" smtClean="0"/>
-              <a:t>10/22/19</a:t>
+              <a:t>10/24/2019</a:t>
             </a:fld>
             <a:endParaRPr lang="en-US"/>
           </a:p>
@@ -2682,7 +2687,7 @@
           <a:p>
             <a:fld id="{0664A5E6-A9E0-3C4B-8245-724848CC6E69}" type="datetimeFigureOut">
               <a:rPr lang="en-US" smtClean="0"/>
-              <a:t>10/22/19</a:t>
+              <a:t>10/24/2019</a:t>
             </a:fld>
             <a:endParaRPr lang="en-US"/>
           </a:p>
@@ -2925,7 +2930,7 @@
           <a:p>
             <a:fld id="{0664A5E6-A9E0-3C4B-8245-724848CC6E69}" type="datetimeFigureOut">
               <a:rPr lang="en-US" smtClean="0"/>
-              <a:t>10/22/19</a:t>
+              <a:t>10/24/2019</a:t>
             </a:fld>
             <a:endParaRPr lang="en-US"/>
           </a:p>
@@ -3376,7 +3381,7 @@
           </p:nvSpPr>
           <p:spPr>
             <a:xfrm>
-              <a:off x="1245599" y="283938"/>
+              <a:off x="1245599" y="292903"/>
               <a:ext cx="10563167" cy="5590979"/>
             </a:xfrm>
             <a:prstGeom prst="roundRect">
@@ -3750,7 +3755,7 @@
           </p:nvSpPr>
           <p:spPr>
             <a:xfrm>
-              <a:off x="4430940" y="2631613"/>
+              <a:off x="6785800" y="2610170"/>
               <a:ext cx="1982688" cy="369332"/>
             </a:xfrm>
             <a:prstGeom prst="roundRect">
@@ -3789,7 +3794,7 @@
             <a:p>
               <a:pPr algn="ctr"/>
               <a:r>
-                <a:rPr lang="en-US" sz="1300" err="1">
+                <a:rPr lang="en-US" sz="1300" dirty="0" err="1">
                   <a:solidFill>
                     <a:schemeClr val="tx1"/>
                   </a:solidFill>
@@ -3798,7 +3803,7 @@
                 </a:rPr>
                 <a:t>DeleteBondCommand</a:t>
               </a:r>
-              <a:endParaRPr lang="en-US" sz="1300">
+              <a:endParaRPr lang="en-US" sz="1300" dirty="0">
                 <a:solidFill>
                   <a:schemeClr val="tx1"/>
                 </a:solidFill>
@@ -3822,7 +3827,7 @@
           </p:nvSpPr>
           <p:spPr>
             <a:xfrm>
-              <a:off x="6777900" y="2628272"/>
+              <a:off x="4430940" y="2610171"/>
               <a:ext cx="1982688" cy="369332"/>
             </a:xfrm>
             <a:prstGeom prst="roundRect">
@@ -4094,8 +4099,8 @@
           </p:nvCxnSpPr>
           <p:spPr>
             <a:xfrm flipV="1">
-              <a:off x="3034684" y="2254470"/>
-              <a:ext cx="0" cy="405581"/>
+              <a:off x="3034684" y="2247003"/>
+              <a:ext cx="1569" cy="413048"/>
             </a:xfrm>
             <a:prstGeom prst="line">
               <a:avLst/>
@@ -4133,8 +4138,8 @@
           </p:nvCxnSpPr>
           <p:spPr>
             <a:xfrm flipV="1">
-              <a:off x="5422284" y="2254470"/>
-              <a:ext cx="0" cy="377143"/>
+              <a:off x="7777144" y="2247003"/>
+              <a:ext cx="0" cy="363167"/>
             </a:xfrm>
             <a:prstGeom prst="line">
               <a:avLst/>
@@ -4172,8 +4177,8 @@
           </p:nvCxnSpPr>
           <p:spPr>
             <a:xfrm flipV="1">
-              <a:off x="7769244" y="2247003"/>
-              <a:ext cx="0" cy="381269"/>
+              <a:off x="5422284" y="2247003"/>
+              <a:ext cx="0" cy="363168"/>
             </a:xfrm>
             <a:prstGeom prst="line">
               <a:avLst/>

--- a/docs/diagrams/LogicCommandBondPackage.pptx
+++ b/docs/diagrams/LogicCommandBondPackage.pptx
@@ -261,7 +261,7 @@
           <a:p>
             <a:fld id="{0664A5E6-A9E0-3C4B-8245-724848CC6E69}" type="datetimeFigureOut">
               <a:rPr lang="en-US" smtClean="0"/>
-              <a:t>10/24/2019</a:t>
+              <a:t>10/31/19</a:t>
             </a:fld>
             <a:endParaRPr lang="en-US"/>
           </a:p>
@@ -461,7 +461,7 @@
           <a:p>
             <a:fld id="{0664A5E6-A9E0-3C4B-8245-724848CC6E69}" type="datetimeFigureOut">
               <a:rPr lang="en-US" smtClean="0"/>
-              <a:t>10/24/2019</a:t>
+              <a:t>10/31/19</a:t>
             </a:fld>
             <a:endParaRPr lang="en-US"/>
           </a:p>
@@ -671,7 +671,7 @@
           <a:p>
             <a:fld id="{0664A5E6-A9E0-3C4B-8245-724848CC6E69}" type="datetimeFigureOut">
               <a:rPr lang="en-US" smtClean="0"/>
-              <a:t>10/24/2019</a:t>
+              <a:t>10/31/19</a:t>
             </a:fld>
             <a:endParaRPr lang="en-US"/>
           </a:p>
@@ -871,7 +871,7 @@
           <a:p>
             <a:fld id="{0664A5E6-A9E0-3C4B-8245-724848CC6E69}" type="datetimeFigureOut">
               <a:rPr lang="en-US" smtClean="0"/>
-              <a:t>10/24/2019</a:t>
+              <a:t>10/31/19</a:t>
             </a:fld>
             <a:endParaRPr lang="en-US"/>
           </a:p>
@@ -1147,7 +1147,7 @@
           <a:p>
             <a:fld id="{0664A5E6-A9E0-3C4B-8245-724848CC6E69}" type="datetimeFigureOut">
               <a:rPr lang="en-US" smtClean="0"/>
-              <a:t>10/24/2019</a:t>
+              <a:t>10/31/19</a:t>
             </a:fld>
             <a:endParaRPr lang="en-US"/>
           </a:p>
@@ -1415,7 +1415,7 @@
           <a:p>
             <a:fld id="{0664A5E6-A9E0-3C4B-8245-724848CC6E69}" type="datetimeFigureOut">
               <a:rPr lang="en-US" smtClean="0"/>
-              <a:t>10/24/2019</a:t>
+              <a:t>10/31/19</a:t>
             </a:fld>
             <a:endParaRPr lang="en-US"/>
           </a:p>
@@ -1830,7 +1830,7 @@
           <a:p>
             <a:fld id="{0664A5E6-A9E0-3C4B-8245-724848CC6E69}" type="datetimeFigureOut">
               <a:rPr lang="en-US" smtClean="0"/>
-              <a:t>10/24/2019</a:t>
+              <a:t>10/31/19</a:t>
             </a:fld>
             <a:endParaRPr lang="en-US"/>
           </a:p>
@@ -1972,7 +1972,7 @@
           <a:p>
             <a:fld id="{0664A5E6-A9E0-3C4B-8245-724848CC6E69}" type="datetimeFigureOut">
               <a:rPr lang="en-US" smtClean="0"/>
-              <a:t>10/24/2019</a:t>
+              <a:t>10/31/19</a:t>
             </a:fld>
             <a:endParaRPr lang="en-US"/>
           </a:p>
@@ -2085,7 +2085,7 @@
           <a:p>
             <a:fld id="{0664A5E6-A9E0-3C4B-8245-724848CC6E69}" type="datetimeFigureOut">
               <a:rPr lang="en-US" smtClean="0"/>
-              <a:t>10/24/2019</a:t>
+              <a:t>10/31/19</a:t>
             </a:fld>
             <a:endParaRPr lang="en-US"/>
           </a:p>
@@ -2398,7 +2398,7 @@
           <a:p>
             <a:fld id="{0664A5E6-A9E0-3C4B-8245-724848CC6E69}" type="datetimeFigureOut">
               <a:rPr lang="en-US" smtClean="0"/>
-              <a:t>10/24/2019</a:t>
+              <a:t>10/31/19</a:t>
             </a:fld>
             <a:endParaRPr lang="en-US"/>
           </a:p>
@@ -2687,7 +2687,7 @@
           <a:p>
             <a:fld id="{0664A5E6-A9E0-3C4B-8245-724848CC6E69}" type="datetimeFigureOut">
               <a:rPr lang="en-US" smtClean="0"/>
-              <a:t>10/24/2019</a:t>
+              <a:t>10/31/19</a:t>
             </a:fld>
             <a:endParaRPr lang="en-US"/>
           </a:p>
@@ -2930,7 +2930,7 @@
           <a:p>
             <a:fld id="{0664A5E6-A9E0-3C4B-8245-724848CC6E69}" type="datetimeFigureOut">
               <a:rPr lang="en-US" smtClean="0"/>
-              <a:t>10/24/2019</a:t>
+              <a:t>10/31/19</a:t>
             </a:fld>
             <a:endParaRPr lang="en-US"/>
           </a:p>
@@ -3349,10 +3349,10 @@
       </p:grpSpPr>
       <p:grpSp>
         <p:nvGrpSpPr>
-          <p:cNvPr id="4" name="Group 3">
-            <a:extLst>
-              <a:ext uri="{FF2B5EF4-FFF2-40B4-BE49-F238E27FC236}">
-                <a16:creationId xmlns:a16="http://schemas.microsoft.com/office/drawing/2014/main" id="{92582C20-038E-1641-8790-575DC366D5DF}"/>
+          <p:cNvPr id="28" name="Group 27">
+            <a:extLst>
+              <a:ext uri="{FF2B5EF4-FFF2-40B4-BE49-F238E27FC236}">
+                <a16:creationId xmlns:a16="http://schemas.microsoft.com/office/drawing/2014/main" id="{A17029FA-DF5F-2A4B-98A4-428499FC2197}"/>
               </a:ext>
             </a:extLst>
           </p:cNvPr>
@@ -3369,10 +3369,10 @@
         </p:grpSpPr>
         <p:sp>
           <p:nvSpPr>
-            <p:cNvPr id="5" name="Rounded Rectangle 145">
+            <p:cNvPr id="29" name="Rounded Rectangle 145">
               <a:extLst>
                 <a:ext uri="{FF2B5EF4-FFF2-40B4-BE49-F238E27FC236}">
-                  <a16:creationId xmlns:a16="http://schemas.microsoft.com/office/drawing/2014/main" id="{893E7F57-E65A-3B49-8087-E735ECBEA57B}"/>
+                  <a16:creationId xmlns:a16="http://schemas.microsoft.com/office/drawing/2014/main" id="{CD8DE264-6E3E-5846-AF19-3E60F8373617}"/>
                 </a:ext>
               </a:extLst>
             </p:cNvPr>
@@ -3381,7 +3381,7 @@
           </p:nvSpPr>
           <p:spPr>
             <a:xfrm>
-              <a:off x="1245599" y="292903"/>
+              <a:off x="1245599" y="283938"/>
               <a:ext cx="10563167" cy="5590979"/>
             </a:xfrm>
             <a:prstGeom prst="roundRect">
@@ -3426,184 +3426,16 @@
             <a:lstStyle/>
             <a:p>
               <a:pPr algn="ctr"/>
-              <a:endParaRPr lang="en-US"/>
+              <a:endParaRPr lang="en-US" dirty="0"/>
             </a:p>
           </p:txBody>
         </p:sp>
         <p:sp>
           <p:nvSpPr>
-            <p:cNvPr id="6" name="TextBox 5">
+            <p:cNvPr id="30" name="Rounded Rectangle 14">
               <a:extLst>
                 <a:ext uri="{FF2B5EF4-FFF2-40B4-BE49-F238E27FC236}">
-                  <a16:creationId xmlns:a16="http://schemas.microsoft.com/office/drawing/2014/main" id="{85EDDACD-FE55-F942-BFEF-EABC8C33DF77}"/>
-                </a:ext>
-              </a:extLst>
-            </p:cNvPr>
-            <p:cNvSpPr txBox="1"/>
-            <p:nvPr/>
-          </p:nvSpPr>
-          <p:spPr>
-            <a:xfrm>
-              <a:off x="1303421" y="248117"/>
-              <a:ext cx="3313536" cy="369332"/>
-            </a:xfrm>
-            <a:prstGeom prst="rect">
-              <a:avLst/>
-            </a:prstGeom>
-            <a:noFill/>
-          </p:spPr>
-          <p:txBody>
-            <a:bodyPr wrap="none" rtlCol="0">
-              <a:spAutoFit/>
-            </a:bodyPr>
-            <a:lstStyle/>
-            <a:p>
-              <a:r>
-                <a:rPr lang="en-US" b="1"/>
-                <a:t>Logic, Command, Bond Package</a:t>
-              </a:r>
-            </a:p>
-          </p:txBody>
-        </p:sp>
-        <p:sp>
-          <p:nvSpPr>
-            <p:cNvPr id="7" name="Rounded Rectangle 144">
-              <a:extLst>
-                <a:ext uri="{FF2B5EF4-FFF2-40B4-BE49-F238E27FC236}">
-                  <a16:creationId xmlns:a16="http://schemas.microsoft.com/office/drawing/2014/main" id="{E029FDEA-890F-7547-BF36-AB6911F25247}"/>
-                </a:ext>
-              </a:extLst>
-            </p:cNvPr>
-            <p:cNvSpPr/>
-            <p:nvPr/>
-          </p:nvSpPr>
-          <p:spPr>
-            <a:xfrm>
-              <a:off x="1303421" y="6000533"/>
-              <a:ext cx="10483775" cy="529662"/>
-            </a:xfrm>
-            <a:prstGeom prst="roundRect">
-              <a:avLst/>
-            </a:prstGeom>
-            <a:solidFill>
-              <a:schemeClr val="accent5">
-                <a:lumMod val="60000"/>
-                <a:lumOff val="40000"/>
-              </a:schemeClr>
-            </a:solidFill>
-            <a:ln>
-              <a:noFill/>
-            </a:ln>
-          </p:spPr>
-          <p:style>
-            <a:lnRef idx="2">
-              <a:schemeClr val="accent1">
-                <a:shade val="50000"/>
-              </a:schemeClr>
-            </a:lnRef>
-            <a:fillRef idx="1">
-              <a:schemeClr val="accent1"/>
-            </a:fillRef>
-            <a:effectRef idx="0">
-              <a:schemeClr val="accent1"/>
-            </a:effectRef>
-            <a:fontRef idx="minor">
-              <a:schemeClr val="lt1"/>
-            </a:fontRef>
-          </p:style>
-          <p:txBody>
-            <a:bodyPr rtlCol="0" anchor="ctr"/>
-            <a:lstStyle/>
-            <a:p>
-              <a:pPr algn="ctr"/>
-              <a:r>
-                <a:rPr lang="en-US" sz="1300" b="1">
-                  <a:solidFill>
-                    <a:schemeClr val="tx1"/>
-                  </a:solidFill>
-                  <a:latin typeface="Arial" panose="020B0604020202020204" pitchFamily="34" charset="0"/>
-                  <a:cs typeface="Arial" panose="020B0604020202020204" pitchFamily="34" charset="0"/>
-                </a:rPr>
-                <a:t>Model</a:t>
-              </a:r>
-            </a:p>
-          </p:txBody>
-        </p:sp>
-        <p:sp>
-          <p:nvSpPr>
-            <p:cNvPr id="8" name="Rounded Rectangle 12">
-              <a:extLst>
-                <a:ext uri="{FF2B5EF4-FFF2-40B4-BE49-F238E27FC236}">
-                  <a16:creationId xmlns:a16="http://schemas.microsoft.com/office/drawing/2014/main" id="{9E32FBD9-FB37-724D-9D02-64D32B4E5008}"/>
-                </a:ext>
-              </a:extLst>
-            </p:cNvPr>
-            <p:cNvSpPr/>
-            <p:nvPr/>
-          </p:nvSpPr>
-          <p:spPr>
-            <a:xfrm rot="16200000">
-              <a:off x="-2045605" y="2712777"/>
-              <a:ext cx="5568378" cy="710702"/>
-            </a:xfrm>
-            <a:prstGeom prst="roundRect">
-              <a:avLst/>
-            </a:prstGeom>
-            <a:solidFill>
-              <a:schemeClr val="accent3">
-                <a:lumMod val="60000"/>
-                <a:lumOff val="40000"/>
-              </a:schemeClr>
-            </a:solidFill>
-            <a:ln>
-              <a:solidFill>
-                <a:schemeClr val="accent3">
-                  <a:lumMod val="60000"/>
-                  <a:lumOff val="40000"/>
-                </a:schemeClr>
-              </a:solidFill>
-            </a:ln>
-          </p:spPr>
-          <p:style>
-            <a:lnRef idx="2">
-              <a:schemeClr val="accent1">
-                <a:shade val="50000"/>
-              </a:schemeClr>
-            </a:lnRef>
-            <a:fillRef idx="1">
-              <a:schemeClr val="accent1"/>
-            </a:fillRef>
-            <a:effectRef idx="0">
-              <a:schemeClr val="accent1"/>
-            </a:effectRef>
-            <a:fontRef idx="minor">
-              <a:schemeClr val="lt1"/>
-            </a:fontRef>
-          </p:style>
-          <p:txBody>
-            <a:bodyPr rtlCol="0" anchor="ctr"/>
-            <a:lstStyle/>
-            <a:p>
-              <a:pPr algn="ctr"/>
-              <a:r>
-                <a:rPr lang="en-US" sz="1300" b="1">
-                  <a:solidFill>
-                    <a:schemeClr val="tx1"/>
-                  </a:solidFill>
-                  <a:latin typeface="Arial" panose="020B0604020202020204" pitchFamily="34" charset="0"/>
-                  <a:cs typeface="Arial" panose="020B0604020202020204" pitchFamily="34" charset="0"/>
-                </a:rPr>
-                <a:t>Main</a:t>
-              </a:r>
-            </a:p>
-          </p:txBody>
-        </p:sp>
-        <p:sp>
-          <p:nvSpPr>
-            <p:cNvPr id="9" name="Rounded Rectangle 14">
-              <a:extLst>
-                <a:ext uri="{FF2B5EF4-FFF2-40B4-BE49-F238E27FC236}">
-                  <a16:creationId xmlns:a16="http://schemas.microsoft.com/office/drawing/2014/main" id="{3E4FDDFB-CF04-0F44-9E67-E0DDC2D9E81F}"/>
+                  <a16:creationId xmlns:a16="http://schemas.microsoft.com/office/drawing/2014/main" id="{6CBF0596-4ACD-2A45-9A4B-4FE9ABC645E1}"/>
                 </a:ext>
               </a:extLst>
             </p:cNvPr>
@@ -3651,7 +3483,7 @@
             <a:p>
               <a:pPr algn="ctr"/>
               <a:r>
-                <a:rPr lang="en-US" sz="1300">
+                <a:rPr lang="en-US" sz="1300" dirty="0">
                   <a:solidFill>
                     <a:schemeClr val="tx1"/>
                   </a:solidFill>
@@ -3664,7 +3496,7 @@
             <a:p>
               <a:pPr algn="ctr"/>
               <a:r>
-                <a:rPr lang="en-US" sz="1300">
+                <a:rPr lang="en-US" sz="1300" dirty="0">
                   <a:solidFill>
                     <a:schemeClr val="tx1"/>
                   </a:solidFill>
@@ -3678,10 +3510,10 @@
         </p:sp>
         <p:sp>
           <p:nvSpPr>
-            <p:cNvPr id="10" name="Rounded Rectangle 14">
+            <p:cNvPr id="31" name="Rounded Rectangle 14">
               <a:extLst>
                 <a:ext uri="{FF2B5EF4-FFF2-40B4-BE49-F238E27FC236}">
-                  <a16:creationId xmlns:a16="http://schemas.microsoft.com/office/drawing/2014/main" id="{AD100CE0-BBA6-CD46-80A8-E4D56F876AD9}"/>
+                  <a16:creationId xmlns:a16="http://schemas.microsoft.com/office/drawing/2014/main" id="{E2948966-4C6B-1E4D-890F-3A3762C4B76C}"/>
                 </a:ext>
               </a:extLst>
             </p:cNvPr>
@@ -3729,7 +3561,7 @@
             <a:p>
               <a:pPr algn="ctr"/>
               <a:r>
-                <a:rPr lang="en-US" sz="1300">
+                <a:rPr lang="en-US" sz="1300" dirty="0" err="1">
                   <a:solidFill>
                     <a:schemeClr val="tx1"/>
                   </a:solidFill>
@@ -3738,15 +3570,22 @@
                 </a:rPr>
                 <a:t>AddBondCommand</a:t>
               </a:r>
+              <a:endParaRPr lang="en-US" sz="1300" dirty="0">
+                <a:solidFill>
+                  <a:schemeClr val="tx1"/>
+                </a:solidFill>
+                <a:latin typeface="Arial" panose="020B0604020202020204" pitchFamily="34" charset="0"/>
+                <a:cs typeface="Arial" panose="020B0604020202020204" pitchFamily="34" charset="0"/>
+              </a:endParaRPr>
             </a:p>
           </p:txBody>
         </p:sp>
         <p:sp>
           <p:nvSpPr>
-            <p:cNvPr id="11" name="Rounded Rectangle 14">
+            <p:cNvPr id="32" name="Rounded Rectangle 14">
               <a:extLst>
                 <a:ext uri="{FF2B5EF4-FFF2-40B4-BE49-F238E27FC236}">
-                  <a16:creationId xmlns:a16="http://schemas.microsoft.com/office/drawing/2014/main" id="{C7C77DBF-8AD7-4042-8BA8-1F1FD73527AA}"/>
+                  <a16:creationId xmlns:a16="http://schemas.microsoft.com/office/drawing/2014/main" id="{C206F8FD-253E-5745-A14E-0CE4E57C4F39}"/>
                 </a:ext>
               </a:extLst>
             </p:cNvPr>
@@ -3755,7 +3594,7 @@
           </p:nvSpPr>
           <p:spPr>
             <a:xfrm>
-              <a:off x="6785800" y="2610170"/>
+              <a:off x="4430940" y="2631613"/>
               <a:ext cx="1982688" cy="369332"/>
             </a:xfrm>
             <a:prstGeom prst="roundRect">
@@ -3794,7 +3633,7 @@
             <a:p>
               <a:pPr algn="ctr"/>
               <a:r>
-                <a:rPr lang="en-US" sz="1300" dirty="0" err="1">
+                <a:rPr lang="en-US" sz="1300" err="1">
                   <a:solidFill>
                     <a:schemeClr val="tx1"/>
                   </a:solidFill>
@@ -3803,7 +3642,7 @@
                 </a:rPr>
                 <a:t>DeleteBondCommand</a:t>
               </a:r>
-              <a:endParaRPr lang="en-US" sz="1300" dirty="0">
+              <a:endParaRPr lang="en-US" sz="1300">
                 <a:solidFill>
                   <a:schemeClr val="tx1"/>
                 </a:solidFill>
@@ -3815,10 +3654,10 @@
         </p:sp>
         <p:sp>
           <p:nvSpPr>
-            <p:cNvPr id="12" name="Rounded Rectangle 14">
+            <p:cNvPr id="33" name="Rounded Rectangle 14">
               <a:extLst>
                 <a:ext uri="{FF2B5EF4-FFF2-40B4-BE49-F238E27FC236}">
-                  <a16:creationId xmlns:a16="http://schemas.microsoft.com/office/drawing/2014/main" id="{B95487EB-A976-2041-AAF7-A6BCC8BC3908}"/>
+                  <a16:creationId xmlns:a16="http://schemas.microsoft.com/office/drawing/2014/main" id="{4184ADD4-AD28-F44C-993C-B0B867146FF5}"/>
                 </a:ext>
               </a:extLst>
             </p:cNvPr>
@@ -3827,7 +3666,7 @@
           </p:nvSpPr>
           <p:spPr>
             <a:xfrm>
-              <a:off x="4430940" y="2610171"/>
+              <a:off x="6777900" y="2628272"/>
               <a:ext cx="1982688" cy="369332"/>
             </a:xfrm>
             <a:prstGeom prst="roundRect">
@@ -3880,10 +3719,10 @@
         </p:sp>
         <p:sp>
           <p:nvSpPr>
-            <p:cNvPr id="13" name="Rounded Rectangle 14">
+            <p:cNvPr id="34" name="Rounded Rectangle 14">
               <a:extLst>
                 <a:ext uri="{FF2B5EF4-FFF2-40B4-BE49-F238E27FC236}">
-                  <a16:creationId xmlns:a16="http://schemas.microsoft.com/office/drawing/2014/main" id="{8607CD61-5EDF-7F48-8FEC-3146E4B9CE33}"/>
+                  <a16:creationId xmlns:a16="http://schemas.microsoft.com/office/drawing/2014/main" id="{65065249-AF95-804F-850C-AFA23CA0E24C}"/>
                 </a:ext>
               </a:extLst>
             </p:cNvPr>
@@ -3952,10 +3791,178 @@
         </p:sp>
         <p:sp>
           <p:nvSpPr>
-            <p:cNvPr id="14" name="Triangle 55">
+            <p:cNvPr id="35" name="TextBox 34">
               <a:extLst>
                 <a:ext uri="{FF2B5EF4-FFF2-40B4-BE49-F238E27FC236}">
-                  <a16:creationId xmlns:a16="http://schemas.microsoft.com/office/drawing/2014/main" id="{87380E7C-2367-1343-AA90-D5E24F630CC3}"/>
+                  <a16:creationId xmlns:a16="http://schemas.microsoft.com/office/drawing/2014/main" id="{B8F22118-22F8-724B-A608-C6B8DA5B7B92}"/>
+                </a:ext>
+              </a:extLst>
+            </p:cNvPr>
+            <p:cNvSpPr txBox="1"/>
+            <p:nvPr/>
+          </p:nvSpPr>
+          <p:spPr>
+            <a:xfrm>
+              <a:off x="1303421" y="248117"/>
+              <a:ext cx="3313536" cy="369332"/>
+            </a:xfrm>
+            <a:prstGeom prst="rect">
+              <a:avLst/>
+            </a:prstGeom>
+            <a:noFill/>
+          </p:spPr>
+          <p:txBody>
+            <a:bodyPr wrap="none" rtlCol="0">
+              <a:spAutoFit/>
+            </a:bodyPr>
+            <a:lstStyle/>
+            <a:p>
+              <a:r>
+                <a:rPr lang="en-US" b="1"/>
+                <a:t>Logic, Command, Bond Package</a:t>
+              </a:r>
+            </a:p>
+          </p:txBody>
+        </p:sp>
+        <p:sp>
+          <p:nvSpPr>
+            <p:cNvPr id="36" name="Rounded Rectangle 144">
+              <a:extLst>
+                <a:ext uri="{FF2B5EF4-FFF2-40B4-BE49-F238E27FC236}">
+                  <a16:creationId xmlns:a16="http://schemas.microsoft.com/office/drawing/2014/main" id="{41BF781B-F52B-DB4E-A877-76FA6702C5D1}"/>
+                </a:ext>
+              </a:extLst>
+            </p:cNvPr>
+            <p:cNvSpPr/>
+            <p:nvPr/>
+          </p:nvSpPr>
+          <p:spPr>
+            <a:xfrm>
+              <a:off x="1303421" y="6000533"/>
+              <a:ext cx="10483775" cy="529662"/>
+            </a:xfrm>
+            <a:prstGeom prst="roundRect">
+              <a:avLst/>
+            </a:prstGeom>
+            <a:solidFill>
+              <a:schemeClr val="accent5">
+                <a:lumMod val="60000"/>
+                <a:lumOff val="40000"/>
+              </a:schemeClr>
+            </a:solidFill>
+            <a:ln>
+              <a:noFill/>
+            </a:ln>
+          </p:spPr>
+          <p:style>
+            <a:lnRef idx="2">
+              <a:schemeClr val="accent1">
+                <a:shade val="50000"/>
+              </a:schemeClr>
+            </a:lnRef>
+            <a:fillRef idx="1">
+              <a:schemeClr val="accent1"/>
+            </a:fillRef>
+            <a:effectRef idx="0">
+              <a:schemeClr val="accent1"/>
+            </a:effectRef>
+            <a:fontRef idx="minor">
+              <a:schemeClr val="lt1"/>
+            </a:fontRef>
+          </p:style>
+          <p:txBody>
+            <a:bodyPr rtlCol="0" anchor="ctr"/>
+            <a:lstStyle/>
+            <a:p>
+              <a:pPr algn="ctr"/>
+              <a:r>
+                <a:rPr lang="en-US" sz="1300" b="1">
+                  <a:solidFill>
+                    <a:schemeClr val="tx1"/>
+                  </a:solidFill>
+                  <a:latin typeface="Arial" panose="020B0604020202020204" pitchFamily="34" charset="0"/>
+                  <a:cs typeface="Arial" panose="020B0604020202020204" pitchFamily="34" charset="0"/>
+                </a:rPr>
+                <a:t>Model</a:t>
+              </a:r>
+            </a:p>
+          </p:txBody>
+        </p:sp>
+        <p:sp>
+          <p:nvSpPr>
+            <p:cNvPr id="37" name="Rounded Rectangle 12">
+              <a:extLst>
+                <a:ext uri="{FF2B5EF4-FFF2-40B4-BE49-F238E27FC236}">
+                  <a16:creationId xmlns:a16="http://schemas.microsoft.com/office/drawing/2014/main" id="{E5377B7D-C22D-2E40-A755-9F7F3BC78A31}"/>
+                </a:ext>
+              </a:extLst>
+            </p:cNvPr>
+            <p:cNvSpPr/>
+            <p:nvPr/>
+          </p:nvSpPr>
+          <p:spPr>
+            <a:xfrm rot="16200000">
+              <a:off x="-2045605" y="2712777"/>
+              <a:ext cx="5568378" cy="710702"/>
+            </a:xfrm>
+            <a:prstGeom prst="roundRect">
+              <a:avLst/>
+            </a:prstGeom>
+            <a:solidFill>
+              <a:schemeClr val="accent3">
+                <a:lumMod val="60000"/>
+                <a:lumOff val="40000"/>
+              </a:schemeClr>
+            </a:solidFill>
+            <a:ln>
+              <a:solidFill>
+                <a:schemeClr val="accent3">
+                  <a:lumMod val="60000"/>
+                  <a:lumOff val="40000"/>
+                </a:schemeClr>
+              </a:solidFill>
+            </a:ln>
+          </p:spPr>
+          <p:style>
+            <a:lnRef idx="2">
+              <a:schemeClr val="accent1">
+                <a:shade val="50000"/>
+              </a:schemeClr>
+            </a:lnRef>
+            <a:fillRef idx="1">
+              <a:schemeClr val="accent1"/>
+            </a:fillRef>
+            <a:effectRef idx="0">
+              <a:schemeClr val="accent1"/>
+            </a:effectRef>
+            <a:fontRef idx="minor">
+              <a:schemeClr val="lt1"/>
+            </a:fontRef>
+          </p:style>
+          <p:txBody>
+            <a:bodyPr rtlCol="0" anchor="ctr"/>
+            <a:lstStyle/>
+            <a:p>
+              <a:pPr algn="ctr"/>
+              <a:r>
+                <a:rPr lang="en-US" sz="1300" b="1">
+                  <a:solidFill>
+                    <a:schemeClr val="tx1"/>
+                  </a:solidFill>
+                  <a:latin typeface="Arial" panose="020B0604020202020204" pitchFamily="34" charset="0"/>
+                  <a:cs typeface="Arial" panose="020B0604020202020204" pitchFamily="34" charset="0"/>
+                </a:rPr>
+                <a:t>Main</a:t>
+              </a:r>
+            </a:p>
+          </p:txBody>
+        </p:sp>
+        <p:sp>
+          <p:nvSpPr>
+            <p:cNvPr id="38" name="Triangle 55">
+              <a:extLst>
+                <a:ext uri="{FF2B5EF4-FFF2-40B4-BE49-F238E27FC236}">
+                  <a16:creationId xmlns:a16="http://schemas.microsoft.com/office/drawing/2014/main" id="{1E3AEC06-C64E-8345-AC0E-AB094641A76C}"/>
                 </a:ext>
               </a:extLst>
             </p:cNvPr>
@@ -3973,7 +3980,9 @@
             <a:noFill/>
             <a:ln>
               <a:solidFill>
-                <a:srgbClr val="FFC000"/>
+                <a:schemeClr val="accent2">
+                  <a:lumMod val="75000"/>
+                </a:schemeClr>
               </a:solidFill>
             </a:ln>
           </p:spPr>
@@ -4007,10 +4016,10 @@
         </p:sp>
         <p:cxnSp>
           <p:nvCxnSpPr>
-            <p:cNvPr id="15" name="Straight Connector 14">
+            <p:cNvPr id="39" name="Straight Connector 38">
               <a:extLst>
                 <a:ext uri="{FF2B5EF4-FFF2-40B4-BE49-F238E27FC236}">
-                  <a16:creationId xmlns:a16="http://schemas.microsoft.com/office/drawing/2014/main" id="{A0895238-32FB-A545-AD1D-50EFB8C5AAA4}"/>
+                  <a16:creationId xmlns:a16="http://schemas.microsoft.com/office/drawing/2014/main" id="{724AA3D3-2D04-7943-8AF2-8722267C8417}"/>
                 </a:ext>
               </a:extLst>
             </p:cNvPr>
@@ -4027,6 +4036,13 @@
             <a:prstGeom prst="line">
               <a:avLst/>
             </a:prstGeom>
+            <a:ln>
+              <a:solidFill>
+                <a:schemeClr val="accent2">
+                  <a:lumMod val="75000"/>
+                </a:schemeClr>
+              </a:solidFill>
+            </a:ln>
           </p:spPr>
           <p:style>
             <a:lnRef idx="1">
@@ -4045,16 +4061,16 @@
         </p:cxnSp>
         <p:cxnSp>
           <p:nvCxnSpPr>
-            <p:cNvPr id="16" name="Straight Connector 15">
+            <p:cNvPr id="40" name="Straight Connector 39">
               <a:extLst>
                 <a:ext uri="{FF2B5EF4-FFF2-40B4-BE49-F238E27FC236}">
-                  <a16:creationId xmlns:a16="http://schemas.microsoft.com/office/drawing/2014/main" id="{69F2EAB4-5F77-8C48-8AD5-4FEF0C68DA9B}"/>
+                  <a16:creationId xmlns:a16="http://schemas.microsoft.com/office/drawing/2014/main" id="{82E57307-F154-6645-B82A-198B18B4C7CD}"/>
                 </a:ext>
               </a:extLst>
             </p:cNvPr>
             <p:cNvCxnSpPr>
               <a:cxnSpLocks/>
-              <a:endCxn id="14" idx="3"/>
+              <a:endCxn id="38" idx="3"/>
             </p:cNvCxnSpPr>
             <p:nvPr/>
           </p:nvCxnSpPr>
@@ -4066,6 +4082,13 @@
             <a:prstGeom prst="line">
               <a:avLst/>
             </a:prstGeom>
+            <a:ln>
+              <a:solidFill>
+                <a:schemeClr val="accent2">
+                  <a:lumMod val="75000"/>
+                </a:schemeClr>
+              </a:solidFill>
+            </a:ln>
           </p:spPr>
           <p:style>
             <a:lnRef idx="1">
@@ -4084,27 +4107,33 @@
         </p:cxnSp>
         <p:cxnSp>
           <p:nvCxnSpPr>
-            <p:cNvPr id="17" name="Straight Connector 16">
+            <p:cNvPr id="41" name="Straight Connector 40">
               <a:extLst>
                 <a:ext uri="{FF2B5EF4-FFF2-40B4-BE49-F238E27FC236}">
-                  <a16:creationId xmlns:a16="http://schemas.microsoft.com/office/drawing/2014/main" id="{90A4E2B4-627A-2148-AC1C-C357C5AF45F8}"/>
+                  <a16:creationId xmlns:a16="http://schemas.microsoft.com/office/drawing/2014/main" id="{90E67CA6-1F6E-4C4E-B1F0-DC97BF2534BB}"/>
                 </a:ext>
               </a:extLst>
             </p:cNvPr>
             <p:cNvCxnSpPr>
               <a:cxnSpLocks/>
-              <a:stCxn id="10" idx="0"/>
             </p:cNvCxnSpPr>
             <p:nvPr/>
           </p:nvCxnSpPr>
           <p:spPr>
             <a:xfrm flipV="1">
-              <a:off x="3034684" y="2247003"/>
-              <a:ext cx="1569" cy="413048"/>
+              <a:off x="3034684" y="2254470"/>
+              <a:ext cx="0" cy="405581"/>
             </a:xfrm>
             <a:prstGeom prst="line">
               <a:avLst/>
             </a:prstGeom>
+            <a:ln>
+              <a:solidFill>
+                <a:schemeClr val="accent2">
+                  <a:lumMod val="75000"/>
+                </a:schemeClr>
+              </a:solidFill>
+            </a:ln>
           </p:spPr>
           <p:style>
             <a:lnRef idx="1">
@@ -4123,27 +4152,33 @@
         </p:cxnSp>
         <p:cxnSp>
           <p:nvCxnSpPr>
-            <p:cNvPr id="18" name="Straight Connector 17">
+            <p:cNvPr id="42" name="Straight Connector 41">
               <a:extLst>
                 <a:ext uri="{FF2B5EF4-FFF2-40B4-BE49-F238E27FC236}">
-                  <a16:creationId xmlns:a16="http://schemas.microsoft.com/office/drawing/2014/main" id="{2C7A917E-23A3-C64A-9547-22AA4EF0B2E2}"/>
+                  <a16:creationId xmlns:a16="http://schemas.microsoft.com/office/drawing/2014/main" id="{08990E98-5276-AE46-8A23-5A0409C5E1B3}"/>
                 </a:ext>
               </a:extLst>
             </p:cNvPr>
             <p:cNvCxnSpPr>
               <a:cxnSpLocks/>
-              <a:stCxn id="11" idx="0"/>
             </p:cNvCxnSpPr>
             <p:nvPr/>
           </p:nvCxnSpPr>
           <p:spPr>
             <a:xfrm flipV="1">
-              <a:off x="7777144" y="2247003"/>
-              <a:ext cx="0" cy="363167"/>
+              <a:off x="5422284" y="2254470"/>
+              <a:ext cx="0" cy="377143"/>
             </a:xfrm>
             <a:prstGeom prst="line">
               <a:avLst/>
             </a:prstGeom>
+            <a:ln>
+              <a:solidFill>
+                <a:schemeClr val="accent2">
+                  <a:lumMod val="75000"/>
+                </a:schemeClr>
+              </a:solidFill>
+            </a:ln>
           </p:spPr>
           <p:style>
             <a:lnRef idx="1">
@@ -4162,27 +4197,33 @@
         </p:cxnSp>
         <p:cxnSp>
           <p:nvCxnSpPr>
-            <p:cNvPr id="19" name="Straight Connector 18">
+            <p:cNvPr id="43" name="Straight Connector 42">
               <a:extLst>
                 <a:ext uri="{FF2B5EF4-FFF2-40B4-BE49-F238E27FC236}">
-                  <a16:creationId xmlns:a16="http://schemas.microsoft.com/office/drawing/2014/main" id="{B011734D-F56E-964D-A741-8A42A20A85F6}"/>
+                  <a16:creationId xmlns:a16="http://schemas.microsoft.com/office/drawing/2014/main" id="{5C2441B4-97EE-4B40-B24F-77AE98CDEF5A}"/>
                 </a:ext>
               </a:extLst>
             </p:cNvPr>
             <p:cNvCxnSpPr>
               <a:cxnSpLocks/>
-              <a:stCxn id="12" idx="0"/>
             </p:cNvCxnSpPr>
             <p:nvPr/>
           </p:nvCxnSpPr>
           <p:spPr>
             <a:xfrm flipV="1">
-              <a:off x="5422284" y="2247003"/>
-              <a:ext cx="0" cy="363168"/>
+              <a:off x="7769244" y="2247003"/>
+              <a:ext cx="0" cy="381269"/>
             </a:xfrm>
             <a:prstGeom prst="line">
               <a:avLst/>
             </a:prstGeom>
+            <a:ln>
+              <a:solidFill>
+                <a:schemeClr val="accent2">
+                  <a:lumMod val="75000"/>
+                </a:schemeClr>
+              </a:solidFill>
+            </a:ln>
           </p:spPr>
           <p:style>
             <a:lnRef idx="1">
@@ -4201,16 +4242,15 @@
         </p:cxnSp>
         <p:cxnSp>
           <p:nvCxnSpPr>
-            <p:cNvPr id="20" name="Straight Connector 19">
+            <p:cNvPr id="44" name="Straight Connector 43">
               <a:extLst>
                 <a:ext uri="{FF2B5EF4-FFF2-40B4-BE49-F238E27FC236}">
-                  <a16:creationId xmlns:a16="http://schemas.microsoft.com/office/drawing/2014/main" id="{2B107C75-9387-004F-A45C-0BE28F9A6874}"/>
+                  <a16:creationId xmlns:a16="http://schemas.microsoft.com/office/drawing/2014/main" id="{89720286-055F-6948-A758-2A03763E2AE9}"/>
                 </a:ext>
               </a:extLst>
             </p:cNvPr>
             <p:cNvCxnSpPr>
               <a:cxnSpLocks/>
-              <a:stCxn id="13" idx="0"/>
             </p:cNvCxnSpPr>
             <p:nvPr/>
           </p:nvCxnSpPr>
@@ -4222,6 +4262,13 @@
             <a:prstGeom prst="line">
               <a:avLst/>
             </a:prstGeom>
+            <a:ln>
+              <a:solidFill>
+                <a:schemeClr val="accent2">
+                  <a:lumMod val="75000"/>
+                </a:schemeClr>
+              </a:solidFill>
+            </a:ln>
           </p:spPr>
           <p:style>
             <a:lnRef idx="1">
@@ -4240,10 +4287,10 @@
         </p:cxnSp>
         <p:cxnSp>
           <p:nvCxnSpPr>
-            <p:cNvPr id="21" name="Straight Connector 20">
+            <p:cNvPr id="45" name="Straight Connector 44">
               <a:extLst>
                 <a:ext uri="{FF2B5EF4-FFF2-40B4-BE49-F238E27FC236}">
-                  <a16:creationId xmlns:a16="http://schemas.microsoft.com/office/drawing/2014/main" id="{D6BF391A-55F4-1945-9DDA-B06253324DFC}"/>
+                  <a16:creationId xmlns:a16="http://schemas.microsoft.com/office/drawing/2014/main" id="{99B81AA1-CF3A-1641-AAC4-E1166A45A68B}"/>
                 </a:ext>
               </a:extLst>
             </p:cNvPr>
@@ -4260,6 +4307,13 @@
             <a:prstGeom prst="line">
               <a:avLst/>
             </a:prstGeom>
+            <a:ln>
+              <a:solidFill>
+                <a:schemeClr val="accent2">
+                  <a:lumMod val="75000"/>
+                </a:schemeClr>
+              </a:solidFill>
+            </a:ln>
           </p:spPr>
           <p:style>
             <a:lnRef idx="1">
@@ -4278,16 +4332,15 @@
         </p:cxnSp>
         <p:cxnSp>
           <p:nvCxnSpPr>
-            <p:cNvPr id="22" name="Straight Connector 21">
+            <p:cNvPr id="46" name="Straight Connector 45">
               <a:extLst>
                 <a:ext uri="{FF2B5EF4-FFF2-40B4-BE49-F238E27FC236}">
-                  <a16:creationId xmlns:a16="http://schemas.microsoft.com/office/drawing/2014/main" id="{45D18AFE-81F3-8843-9204-224D155A1A95}"/>
+                  <a16:creationId xmlns:a16="http://schemas.microsoft.com/office/drawing/2014/main" id="{92AF72D7-81E7-8847-B10A-370694C0F4B2}"/>
                 </a:ext>
               </a:extLst>
             </p:cNvPr>
             <p:cNvCxnSpPr>
               <a:cxnSpLocks/>
-              <a:stCxn id="10" idx="2"/>
             </p:cNvCxnSpPr>
             <p:nvPr/>
           </p:nvCxnSpPr>
@@ -4299,6 +4352,13 @@
             <a:prstGeom prst="line">
               <a:avLst/>
             </a:prstGeom>
+            <a:ln>
+              <a:solidFill>
+                <a:schemeClr val="accent2">
+                  <a:lumMod val="75000"/>
+                </a:schemeClr>
+              </a:solidFill>
+            </a:ln>
           </p:spPr>
           <p:style>
             <a:lnRef idx="1">
@@ -4317,10 +4377,10 @@
         </p:cxnSp>
         <p:cxnSp>
           <p:nvCxnSpPr>
-            <p:cNvPr id="23" name="Straight Connector 22">
+            <p:cNvPr id="47" name="Straight Connector 46">
               <a:extLst>
                 <a:ext uri="{FF2B5EF4-FFF2-40B4-BE49-F238E27FC236}">
-                  <a16:creationId xmlns:a16="http://schemas.microsoft.com/office/drawing/2014/main" id="{A908164A-CBE5-2640-857D-0C7E8673EDAB}"/>
+                  <a16:creationId xmlns:a16="http://schemas.microsoft.com/office/drawing/2014/main" id="{77FD09C4-C623-9C49-B837-5E68A66FF6D9}"/>
                 </a:ext>
               </a:extLst>
             </p:cNvPr>
@@ -4337,6 +4397,13 @@
             <a:prstGeom prst="line">
               <a:avLst/>
             </a:prstGeom>
+            <a:ln>
+              <a:solidFill>
+                <a:schemeClr val="accent2">
+                  <a:lumMod val="75000"/>
+                </a:schemeClr>
+              </a:solidFill>
+            </a:ln>
           </p:spPr>
           <p:style>
             <a:lnRef idx="1">
@@ -4355,10 +4422,10 @@
         </p:cxnSp>
         <p:cxnSp>
           <p:nvCxnSpPr>
-            <p:cNvPr id="24" name="Straight Connector 23">
+            <p:cNvPr id="48" name="Straight Connector 47">
               <a:extLst>
                 <a:ext uri="{FF2B5EF4-FFF2-40B4-BE49-F238E27FC236}">
-                  <a16:creationId xmlns:a16="http://schemas.microsoft.com/office/drawing/2014/main" id="{104175E2-1FE7-9447-8C24-606AC1956FFB}"/>
+                  <a16:creationId xmlns:a16="http://schemas.microsoft.com/office/drawing/2014/main" id="{E5C6EF9F-8A38-BA46-BEDC-DB2EFDBD61A7}"/>
                 </a:ext>
               </a:extLst>
             </p:cNvPr>
@@ -4375,6 +4442,13 @@
             <a:prstGeom prst="line">
               <a:avLst/>
             </a:prstGeom>
+            <a:ln>
+              <a:solidFill>
+                <a:schemeClr val="accent2">
+                  <a:lumMod val="75000"/>
+                </a:schemeClr>
+              </a:solidFill>
+            </a:ln>
           </p:spPr>
           <p:style>
             <a:lnRef idx="1">
@@ -4393,10 +4467,10 @@
         </p:cxnSp>
         <p:cxnSp>
           <p:nvCxnSpPr>
-            <p:cNvPr id="25" name="Straight Connector 24">
+            <p:cNvPr id="49" name="Straight Connector 48">
               <a:extLst>
                 <a:ext uri="{FF2B5EF4-FFF2-40B4-BE49-F238E27FC236}">
-                  <a16:creationId xmlns:a16="http://schemas.microsoft.com/office/drawing/2014/main" id="{5824FB40-9B29-844C-9B34-35F85BFCBCEE}"/>
+                  <a16:creationId xmlns:a16="http://schemas.microsoft.com/office/drawing/2014/main" id="{C77CFF55-5B6E-2145-A004-893AD782D6D3}"/>
                 </a:ext>
               </a:extLst>
             </p:cNvPr>
@@ -4413,6 +4487,13 @@
             <a:prstGeom prst="line">
               <a:avLst/>
             </a:prstGeom>
+            <a:ln>
+              <a:solidFill>
+                <a:schemeClr val="accent2">
+                  <a:lumMod val="75000"/>
+                </a:schemeClr>
+              </a:solidFill>
+            </a:ln>
           </p:spPr>
           <p:style>
             <a:lnRef idx="1">
@@ -4431,16 +4512,16 @@
         </p:cxnSp>
         <p:cxnSp>
           <p:nvCxnSpPr>
-            <p:cNvPr id="26" name="Straight Arrow Connector 25">
+            <p:cNvPr id="50" name="Straight Arrow Connector 49">
               <a:extLst>
                 <a:ext uri="{FF2B5EF4-FFF2-40B4-BE49-F238E27FC236}">
-                  <a16:creationId xmlns:a16="http://schemas.microsoft.com/office/drawing/2014/main" id="{8F1BD3B9-9DB1-4649-BBC1-B5A5588762A3}"/>
+                  <a16:creationId xmlns:a16="http://schemas.microsoft.com/office/drawing/2014/main" id="{C55CC0FB-3B01-484B-9A60-0F7934C197EF}"/>
                 </a:ext>
               </a:extLst>
             </p:cNvPr>
             <p:cNvCxnSpPr>
               <a:cxnSpLocks/>
-              <a:stCxn id="7" idx="0"/>
+              <a:stCxn id="36" idx="0"/>
             </p:cNvCxnSpPr>
             <p:nvPr/>
           </p:nvCxnSpPr>
@@ -4454,7 +4535,9 @@
             </a:prstGeom>
             <a:ln>
               <a:solidFill>
-                <a:srgbClr val="FFC000"/>
+                <a:schemeClr val="accent2">
+                  <a:lumMod val="75000"/>
+                </a:schemeClr>
               </a:solidFill>
               <a:prstDash val="solid"/>
               <a:headEnd type="triangle"/>
@@ -4478,10 +4561,10 @@
         </p:cxnSp>
         <p:cxnSp>
           <p:nvCxnSpPr>
-            <p:cNvPr id="27" name="Straight Arrow Connector 26">
+            <p:cNvPr id="51" name="Straight Arrow Connector 50">
               <a:extLst>
                 <a:ext uri="{FF2B5EF4-FFF2-40B4-BE49-F238E27FC236}">
-                  <a16:creationId xmlns:a16="http://schemas.microsoft.com/office/drawing/2014/main" id="{AEF8BEA6-3B0D-E046-A74E-3EE790DD1A38}"/>
+                  <a16:creationId xmlns:a16="http://schemas.microsoft.com/office/drawing/2014/main" id="{8FCE11D9-EA26-E34E-86F3-CB5414575F4C}"/>
                 </a:ext>
               </a:extLst>
             </p:cNvPr>
@@ -4499,6 +4582,11 @@
               <a:avLst/>
             </a:prstGeom>
             <a:ln>
+              <a:solidFill>
+                <a:schemeClr val="accent2">
+                  <a:lumMod val="75000"/>
+                </a:schemeClr>
+              </a:solidFill>
               <a:tailEnd type="triangle"/>
             </a:ln>
           </p:spPr>

--- a/docs/diagrams/LogicCommandBondPackage.pptx
+++ b/docs/diagrams/LogicCommandBondPackage.pptx
@@ -261,7 +261,7 @@
           <a:p>
             <a:fld id="{0664A5E6-A9E0-3C4B-8245-724848CC6E69}" type="datetimeFigureOut">
               <a:rPr lang="en-US" smtClean="0"/>
-              <a:t>10/31/19</a:t>
+              <a:t>11/8/19</a:t>
             </a:fld>
             <a:endParaRPr lang="en-US"/>
           </a:p>
@@ -461,7 +461,7 @@
           <a:p>
             <a:fld id="{0664A5E6-A9E0-3C4B-8245-724848CC6E69}" type="datetimeFigureOut">
               <a:rPr lang="en-US" smtClean="0"/>
-              <a:t>10/31/19</a:t>
+              <a:t>11/8/19</a:t>
             </a:fld>
             <a:endParaRPr lang="en-US"/>
           </a:p>
@@ -671,7 +671,7 @@
           <a:p>
             <a:fld id="{0664A5E6-A9E0-3C4B-8245-724848CC6E69}" type="datetimeFigureOut">
               <a:rPr lang="en-US" smtClean="0"/>
-              <a:t>10/31/19</a:t>
+              <a:t>11/8/19</a:t>
             </a:fld>
             <a:endParaRPr lang="en-US"/>
           </a:p>
@@ -871,7 +871,7 @@
           <a:p>
             <a:fld id="{0664A5E6-A9E0-3C4B-8245-724848CC6E69}" type="datetimeFigureOut">
               <a:rPr lang="en-US" smtClean="0"/>
-              <a:t>10/31/19</a:t>
+              <a:t>11/8/19</a:t>
             </a:fld>
             <a:endParaRPr lang="en-US"/>
           </a:p>
@@ -1147,7 +1147,7 @@
           <a:p>
             <a:fld id="{0664A5E6-A9E0-3C4B-8245-724848CC6E69}" type="datetimeFigureOut">
               <a:rPr lang="en-US" smtClean="0"/>
-              <a:t>10/31/19</a:t>
+              <a:t>11/8/19</a:t>
             </a:fld>
             <a:endParaRPr lang="en-US"/>
           </a:p>
@@ -1415,7 +1415,7 @@
           <a:p>
             <a:fld id="{0664A5E6-A9E0-3C4B-8245-724848CC6E69}" type="datetimeFigureOut">
               <a:rPr lang="en-US" smtClean="0"/>
-              <a:t>10/31/19</a:t>
+              <a:t>11/8/19</a:t>
             </a:fld>
             <a:endParaRPr lang="en-US"/>
           </a:p>
@@ -1830,7 +1830,7 @@
           <a:p>
             <a:fld id="{0664A5E6-A9E0-3C4B-8245-724848CC6E69}" type="datetimeFigureOut">
               <a:rPr lang="en-US" smtClean="0"/>
-              <a:t>10/31/19</a:t>
+              <a:t>11/8/19</a:t>
             </a:fld>
             <a:endParaRPr lang="en-US"/>
           </a:p>
@@ -1972,7 +1972,7 @@
           <a:p>
             <a:fld id="{0664A5E6-A9E0-3C4B-8245-724848CC6E69}" type="datetimeFigureOut">
               <a:rPr lang="en-US" smtClean="0"/>
-              <a:t>10/31/19</a:t>
+              <a:t>11/8/19</a:t>
             </a:fld>
             <a:endParaRPr lang="en-US"/>
           </a:p>
@@ -2085,7 +2085,7 @@
           <a:p>
             <a:fld id="{0664A5E6-A9E0-3C4B-8245-724848CC6E69}" type="datetimeFigureOut">
               <a:rPr lang="en-US" smtClean="0"/>
-              <a:t>10/31/19</a:t>
+              <a:t>11/8/19</a:t>
             </a:fld>
             <a:endParaRPr lang="en-US"/>
           </a:p>
@@ -2398,7 +2398,7 @@
           <a:p>
             <a:fld id="{0664A5E6-A9E0-3C4B-8245-724848CC6E69}" type="datetimeFigureOut">
               <a:rPr lang="en-US" smtClean="0"/>
-              <a:t>10/31/19</a:t>
+              <a:t>11/8/19</a:t>
             </a:fld>
             <a:endParaRPr lang="en-US"/>
           </a:p>
@@ -2687,7 +2687,7 @@
           <a:p>
             <a:fld id="{0664A5E6-A9E0-3C4B-8245-724848CC6E69}" type="datetimeFigureOut">
               <a:rPr lang="en-US" smtClean="0"/>
-              <a:t>10/31/19</a:t>
+              <a:t>11/8/19</a:t>
             </a:fld>
             <a:endParaRPr lang="en-US"/>
           </a:p>
@@ -2930,7 +2930,7 @@
           <a:p>
             <a:fld id="{0664A5E6-A9E0-3C4B-8245-724848CC6E69}" type="datetimeFigureOut">
               <a:rPr lang="en-US" smtClean="0"/>
-              <a:t>10/31/19</a:t>
+              <a:t>11/8/19</a:t>
             </a:fld>
             <a:endParaRPr lang="en-US"/>
           </a:p>
@@ -3349,10 +3349,10 @@
       </p:grpSpPr>
       <p:grpSp>
         <p:nvGrpSpPr>
-          <p:cNvPr id="28" name="Group 27">
-            <a:extLst>
-              <a:ext uri="{FF2B5EF4-FFF2-40B4-BE49-F238E27FC236}">
-                <a16:creationId xmlns:a16="http://schemas.microsoft.com/office/drawing/2014/main" id="{A17029FA-DF5F-2A4B-98A4-428499FC2197}"/>
+          <p:cNvPr id="15" name="Group 14">
+            <a:extLst>
+              <a:ext uri="{FF2B5EF4-FFF2-40B4-BE49-F238E27FC236}">
+                <a16:creationId xmlns:a16="http://schemas.microsoft.com/office/drawing/2014/main" id="{1D4F57E9-E9F0-6141-AC75-31916BF20DB5}"/>
               </a:ext>
             </a:extLst>
           </p:cNvPr>
@@ -3369,10 +3369,10 @@
         </p:grpSpPr>
         <p:sp>
           <p:nvSpPr>
-            <p:cNvPr id="29" name="Rounded Rectangle 145">
+            <p:cNvPr id="52" name="Rounded Rectangle 145">
               <a:extLst>
                 <a:ext uri="{FF2B5EF4-FFF2-40B4-BE49-F238E27FC236}">
-                  <a16:creationId xmlns:a16="http://schemas.microsoft.com/office/drawing/2014/main" id="{CD8DE264-6E3E-5846-AF19-3E60F8373617}"/>
+                  <a16:creationId xmlns:a16="http://schemas.microsoft.com/office/drawing/2014/main" id="{3EA8E778-0F87-0741-9C39-FC125D1CA44D}"/>
                 </a:ext>
               </a:extLst>
             </p:cNvPr>
@@ -3381,8 +3381,8 @@
           </p:nvSpPr>
           <p:spPr>
             <a:xfrm>
-              <a:off x="1245599" y="283938"/>
-              <a:ext cx="10563167" cy="5590979"/>
+              <a:off x="1245599" y="2021203"/>
+              <a:ext cx="10563167" cy="3826504"/>
             </a:xfrm>
             <a:prstGeom prst="roundRect">
               <a:avLst>
@@ -3390,14 +3390,14 @@
               </a:avLst>
             </a:prstGeom>
             <a:solidFill>
-              <a:schemeClr val="accent4">
+              <a:schemeClr val="accent2">
                 <a:lumMod val="20000"/>
                 <a:lumOff val="80000"/>
               </a:schemeClr>
             </a:solidFill>
             <a:ln>
               <a:solidFill>
-                <a:schemeClr val="accent4">
+                <a:schemeClr val="accent2">
                   <a:lumMod val="20000"/>
                   <a:lumOff val="80000"/>
                 </a:schemeClr>
@@ -3430,12 +3430,1292 @@
             </a:p>
           </p:txBody>
         </p:sp>
+        <p:grpSp>
+          <p:nvGrpSpPr>
+            <p:cNvPr id="28" name="Group 27">
+              <a:extLst>
+                <a:ext uri="{FF2B5EF4-FFF2-40B4-BE49-F238E27FC236}">
+                  <a16:creationId xmlns:a16="http://schemas.microsoft.com/office/drawing/2014/main" id="{A17029FA-DF5F-2A4B-98A4-428499FC2197}"/>
+                </a:ext>
+              </a:extLst>
+            </p:cNvPr>
+            <p:cNvGrpSpPr/>
+            <p:nvPr/>
+          </p:nvGrpSpPr>
+          <p:grpSpPr>
+            <a:xfrm>
+              <a:off x="383233" y="248117"/>
+              <a:ext cx="11425533" cy="6282078"/>
+              <a:chOff x="383233" y="248117"/>
+              <a:chExt cx="11425533" cy="6282078"/>
+            </a:xfrm>
+          </p:grpSpPr>
+          <p:sp>
+            <p:nvSpPr>
+              <p:cNvPr id="29" name="Rounded Rectangle 145">
+                <a:extLst>
+                  <a:ext uri="{FF2B5EF4-FFF2-40B4-BE49-F238E27FC236}">
+                    <a16:creationId xmlns:a16="http://schemas.microsoft.com/office/drawing/2014/main" id="{CD8DE264-6E3E-5846-AF19-3E60F8373617}"/>
+                  </a:ext>
+                </a:extLst>
+              </p:cNvPr>
+              <p:cNvSpPr/>
+              <p:nvPr/>
+            </p:nvSpPr>
+            <p:spPr>
+              <a:xfrm>
+                <a:off x="1245599" y="283939"/>
+                <a:ext cx="10563167" cy="1601200"/>
+              </a:xfrm>
+              <a:prstGeom prst="roundRect">
+                <a:avLst>
+                  <a:gd name="adj" fmla="val 4363"/>
+                </a:avLst>
+              </a:prstGeom>
+              <a:solidFill>
+                <a:schemeClr val="accent4">
+                  <a:lumMod val="20000"/>
+                  <a:lumOff val="80000"/>
+                </a:schemeClr>
+              </a:solidFill>
+              <a:ln>
+                <a:solidFill>
+                  <a:schemeClr val="accent4">
+                    <a:lumMod val="20000"/>
+                    <a:lumOff val="80000"/>
+                  </a:schemeClr>
+                </a:solidFill>
+                <a:prstDash val="solid"/>
+              </a:ln>
+            </p:spPr>
+            <p:style>
+              <a:lnRef idx="2">
+                <a:schemeClr val="accent1">
+                  <a:shade val="50000"/>
+                </a:schemeClr>
+              </a:lnRef>
+              <a:fillRef idx="1">
+                <a:schemeClr val="accent1"/>
+              </a:fillRef>
+              <a:effectRef idx="0">
+                <a:schemeClr val="accent1"/>
+              </a:effectRef>
+              <a:fontRef idx="minor">
+                <a:schemeClr val="lt1"/>
+              </a:fontRef>
+            </p:style>
+            <p:txBody>
+              <a:bodyPr rtlCol="0" anchor="ctr"/>
+              <a:lstStyle/>
+              <a:p>
+                <a:pPr algn="ctr"/>
+                <a:endParaRPr lang="en-US" dirty="0"/>
+              </a:p>
+            </p:txBody>
+          </p:sp>
+          <p:sp>
+            <p:nvSpPr>
+              <p:cNvPr id="30" name="Rounded Rectangle 14">
+                <a:extLst>
+                  <a:ext uri="{FF2B5EF4-FFF2-40B4-BE49-F238E27FC236}">
+                    <a16:creationId xmlns:a16="http://schemas.microsoft.com/office/drawing/2014/main" id="{6CBF0596-4ACD-2A45-9A4B-4FE9ABC645E1}"/>
+                  </a:ext>
+                </a:extLst>
+              </p:cNvPr>
+              <p:cNvSpPr/>
+              <p:nvPr/>
+            </p:nvSpPr>
+            <p:spPr>
+              <a:xfrm>
+                <a:off x="5605931" y="634047"/>
+                <a:ext cx="1982688" cy="376683"/>
+              </a:xfrm>
+              <a:prstGeom prst="roundRect">
+                <a:avLst>
+                  <a:gd name="adj" fmla="val 0"/>
+                </a:avLst>
+              </a:prstGeom>
+              <a:solidFill>
+                <a:schemeClr val="accent1">
+                  <a:lumMod val="20000"/>
+                  <a:lumOff val="80000"/>
+                </a:schemeClr>
+              </a:solidFill>
+              <a:ln>
+                <a:solidFill>
+                  <a:schemeClr val="accent1">
+                    <a:lumMod val="20000"/>
+                    <a:lumOff val="80000"/>
+                  </a:schemeClr>
+                </a:solidFill>
+              </a:ln>
+            </p:spPr>
+            <p:style>
+              <a:lnRef idx="2">
+                <a:schemeClr val="accent1">
+                  <a:shade val="50000"/>
+                </a:schemeClr>
+              </a:lnRef>
+              <a:fillRef idx="1">
+                <a:schemeClr val="accent1"/>
+              </a:fillRef>
+              <a:effectRef idx="0">
+                <a:schemeClr val="accent1"/>
+              </a:effectRef>
+              <a:fontRef idx="minor">
+                <a:schemeClr val="lt1"/>
+              </a:fontRef>
+            </p:style>
+            <p:txBody>
+              <a:bodyPr rtlCol="0" anchor="ctr"/>
+              <a:lstStyle/>
+              <a:p>
+                <a:pPr algn="ctr"/>
+                <a:r>
+                  <a:rPr lang="en-US" sz="1300" dirty="0">
+                    <a:solidFill>
+                      <a:schemeClr val="tx1"/>
+                    </a:solidFill>
+                    <a:latin typeface="Arial" panose="020B0604020202020204" pitchFamily="34" charset="0"/>
+                    <a:cs typeface="Arial" panose="020B0604020202020204" pitchFamily="34" charset="0"/>
+                  </a:rPr>
+                  <a:t>{abstract}</a:t>
+                </a:r>
+              </a:p>
+              <a:p>
+                <a:pPr algn="ctr"/>
+                <a:r>
+                  <a:rPr lang="en-US" sz="1300" dirty="0">
+                    <a:solidFill>
+                      <a:schemeClr val="tx1"/>
+                    </a:solidFill>
+                    <a:latin typeface="Arial" panose="020B0604020202020204" pitchFamily="34" charset="0"/>
+                    <a:cs typeface="Arial" panose="020B0604020202020204" pitchFamily="34" charset="0"/>
+                  </a:rPr>
+                  <a:t>Command</a:t>
+                </a:r>
+              </a:p>
+            </p:txBody>
+          </p:sp>
+          <p:sp>
+            <p:nvSpPr>
+              <p:cNvPr id="31" name="Rounded Rectangle 14">
+                <a:extLst>
+                  <a:ext uri="{FF2B5EF4-FFF2-40B4-BE49-F238E27FC236}">
+                    <a16:creationId xmlns:a16="http://schemas.microsoft.com/office/drawing/2014/main" id="{E2948966-4C6B-1E4D-890F-3A3762C4B76C}"/>
+                  </a:ext>
+                </a:extLst>
+              </p:cNvPr>
+              <p:cNvSpPr/>
+              <p:nvPr/>
+            </p:nvSpPr>
+            <p:spPr>
+              <a:xfrm>
+                <a:off x="2043340" y="3228761"/>
+                <a:ext cx="1982688" cy="369332"/>
+              </a:xfrm>
+              <a:prstGeom prst="roundRect">
+                <a:avLst>
+                  <a:gd name="adj" fmla="val 0"/>
+                </a:avLst>
+              </a:prstGeom>
+              <a:solidFill>
+                <a:srgbClr val="FFC000"/>
+              </a:solidFill>
+              <a:ln>
+                <a:solidFill>
+                  <a:srgbClr val="FFC000"/>
+                </a:solidFill>
+              </a:ln>
+            </p:spPr>
+            <p:style>
+              <a:lnRef idx="2">
+                <a:schemeClr val="accent1">
+                  <a:shade val="50000"/>
+                </a:schemeClr>
+              </a:lnRef>
+              <a:fillRef idx="1">
+                <a:schemeClr val="accent1"/>
+              </a:fillRef>
+              <a:effectRef idx="0">
+                <a:schemeClr val="accent1"/>
+              </a:effectRef>
+              <a:fontRef idx="minor">
+                <a:schemeClr val="lt1"/>
+              </a:fontRef>
+            </p:style>
+            <p:txBody>
+              <a:bodyPr rtlCol="0" anchor="ctr"/>
+              <a:lstStyle/>
+              <a:p>
+                <a:pPr algn="ctr"/>
+                <a:r>
+                  <a:rPr lang="en-US" sz="1300" dirty="0" err="1">
+                    <a:solidFill>
+                      <a:schemeClr val="tx1"/>
+                    </a:solidFill>
+                    <a:latin typeface="Arial" panose="020B0604020202020204" pitchFamily="34" charset="0"/>
+                    <a:cs typeface="Arial" panose="020B0604020202020204" pitchFamily="34" charset="0"/>
+                  </a:rPr>
+                  <a:t>AddBondCommand</a:t>
+                </a:r>
+                <a:endParaRPr lang="en-US" sz="1300" dirty="0">
+                  <a:solidFill>
+                    <a:schemeClr val="tx1"/>
+                  </a:solidFill>
+                  <a:latin typeface="Arial" panose="020B0604020202020204" pitchFamily="34" charset="0"/>
+                  <a:cs typeface="Arial" panose="020B0604020202020204" pitchFamily="34" charset="0"/>
+                </a:endParaRPr>
+              </a:p>
+            </p:txBody>
+          </p:sp>
+          <p:sp>
+            <p:nvSpPr>
+              <p:cNvPr id="32" name="Rounded Rectangle 14">
+                <a:extLst>
+                  <a:ext uri="{FF2B5EF4-FFF2-40B4-BE49-F238E27FC236}">
+                    <a16:creationId xmlns:a16="http://schemas.microsoft.com/office/drawing/2014/main" id="{C206F8FD-253E-5745-A14E-0CE4E57C4F39}"/>
+                  </a:ext>
+                </a:extLst>
+              </p:cNvPr>
+              <p:cNvSpPr/>
+              <p:nvPr/>
+            </p:nvSpPr>
+            <p:spPr>
+              <a:xfrm>
+                <a:off x="4430940" y="3200323"/>
+                <a:ext cx="1982688" cy="369332"/>
+              </a:xfrm>
+              <a:prstGeom prst="roundRect">
+                <a:avLst>
+                  <a:gd name="adj" fmla="val 0"/>
+                </a:avLst>
+              </a:prstGeom>
+              <a:solidFill>
+                <a:srgbClr val="FFC000"/>
+              </a:solidFill>
+              <a:ln>
+                <a:solidFill>
+                  <a:srgbClr val="FFC000"/>
+                </a:solidFill>
+              </a:ln>
+            </p:spPr>
+            <p:style>
+              <a:lnRef idx="2">
+                <a:schemeClr val="accent1">
+                  <a:shade val="50000"/>
+                </a:schemeClr>
+              </a:lnRef>
+              <a:fillRef idx="1">
+                <a:schemeClr val="accent1"/>
+              </a:fillRef>
+              <a:effectRef idx="0">
+                <a:schemeClr val="accent1"/>
+              </a:effectRef>
+              <a:fontRef idx="minor">
+                <a:schemeClr val="lt1"/>
+              </a:fontRef>
+            </p:style>
+            <p:txBody>
+              <a:bodyPr rtlCol="0" anchor="ctr"/>
+              <a:lstStyle/>
+              <a:p>
+                <a:pPr algn="ctr"/>
+                <a:r>
+                  <a:rPr lang="en-US" sz="1300" err="1">
+                    <a:solidFill>
+                      <a:schemeClr val="tx1"/>
+                    </a:solidFill>
+                    <a:latin typeface="Arial" panose="020B0604020202020204" pitchFamily="34" charset="0"/>
+                    <a:cs typeface="Arial" panose="020B0604020202020204" pitchFamily="34" charset="0"/>
+                  </a:rPr>
+                  <a:t>DeleteBondCommand</a:t>
+                </a:r>
+                <a:endParaRPr lang="en-US" sz="1300">
+                  <a:solidFill>
+                    <a:schemeClr val="tx1"/>
+                  </a:solidFill>
+                  <a:latin typeface="Arial" panose="020B0604020202020204" pitchFamily="34" charset="0"/>
+                  <a:cs typeface="Arial" panose="020B0604020202020204" pitchFamily="34" charset="0"/>
+                </a:endParaRPr>
+              </a:p>
+            </p:txBody>
+          </p:sp>
+          <p:sp>
+            <p:nvSpPr>
+              <p:cNvPr id="33" name="Rounded Rectangle 14">
+                <a:extLst>
+                  <a:ext uri="{FF2B5EF4-FFF2-40B4-BE49-F238E27FC236}">
+                    <a16:creationId xmlns:a16="http://schemas.microsoft.com/office/drawing/2014/main" id="{4184ADD4-AD28-F44C-993C-B0B867146FF5}"/>
+                  </a:ext>
+                </a:extLst>
+              </p:cNvPr>
+              <p:cNvSpPr/>
+              <p:nvPr/>
+            </p:nvSpPr>
+            <p:spPr>
+              <a:xfrm>
+                <a:off x="6777900" y="3196982"/>
+                <a:ext cx="1982688" cy="369332"/>
+              </a:xfrm>
+              <a:prstGeom prst="roundRect">
+                <a:avLst>
+                  <a:gd name="adj" fmla="val 0"/>
+                </a:avLst>
+              </a:prstGeom>
+              <a:solidFill>
+                <a:srgbClr val="FFC000"/>
+              </a:solidFill>
+              <a:ln>
+                <a:solidFill>
+                  <a:srgbClr val="FFC000"/>
+                </a:solidFill>
+              </a:ln>
+            </p:spPr>
+            <p:style>
+              <a:lnRef idx="2">
+                <a:schemeClr val="accent1">
+                  <a:shade val="50000"/>
+                </a:schemeClr>
+              </a:lnRef>
+              <a:fillRef idx="1">
+                <a:schemeClr val="accent1"/>
+              </a:fillRef>
+              <a:effectRef idx="0">
+                <a:schemeClr val="accent1"/>
+              </a:effectRef>
+              <a:fontRef idx="minor">
+                <a:schemeClr val="lt1"/>
+              </a:fontRef>
+            </p:style>
+            <p:txBody>
+              <a:bodyPr rtlCol="0" anchor="ctr"/>
+              <a:lstStyle/>
+              <a:p>
+                <a:pPr algn="ctr"/>
+                <a:r>
+                  <a:rPr lang="en-US" sz="1300" dirty="0" err="1">
+                    <a:solidFill>
+                      <a:schemeClr val="tx1"/>
+                    </a:solidFill>
+                    <a:latin typeface="Arial" panose="020B0604020202020204" pitchFamily="34" charset="0"/>
+                    <a:cs typeface="Arial" panose="020B0604020202020204" pitchFamily="34" charset="0"/>
+                  </a:rPr>
+                  <a:t>EditBondCommand</a:t>
+                </a:r>
+                <a:endParaRPr lang="en-US" sz="1300" dirty="0">
+                  <a:solidFill>
+                    <a:schemeClr val="tx1"/>
+                  </a:solidFill>
+                  <a:latin typeface="Arial" panose="020B0604020202020204" pitchFamily="34" charset="0"/>
+                  <a:cs typeface="Arial" panose="020B0604020202020204" pitchFamily="34" charset="0"/>
+                </a:endParaRPr>
+              </a:p>
+            </p:txBody>
+          </p:sp>
+          <p:sp>
+            <p:nvSpPr>
+              <p:cNvPr id="34" name="Rounded Rectangle 14">
+                <a:extLst>
+                  <a:ext uri="{FF2B5EF4-FFF2-40B4-BE49-F238E27FC236}">
+                    <a16:creationId xmlns:a16="http://schemas.microsoft.com/office/drawing/2014/main" id="{65065249-AF95-804F-850C-AFA23CA0E24C}"/>
+                  </a:ext>
+                </a:extLst>
+              </p:cNvPr>
+              <p:cNvSpPr/>
+              <p:nvPr/>
+            </p:nvSpPr>
+            <p:spPr>
+              <a:xfrm>
+                <a:off x="9246780" y="3196790"/>
+                <a:ext cx="1982688" cy="369332"/>
+              </a:xfrm>
+              <a:prstGeom prst="roundRect">
+                <a:avLst>
+                  <a:gd name="adj" fmla="val 0"/>
+                </a:avLst>
+              </a:prstGeom>
+              <a:solidFill>
+                <a:srgbClr val="FFC000"/>
+              </a:solidFill>
+              <a:ln>
+                <a:solidFill>
+                  <a:srgbClr val="FFC000"/>
+                </a:solidFill>
+              </a:ln>
+            </p:spPr>
+            <p:style>
+              <a:lnRef idx="2">
+                <a:schemeClr val="accent1">
+                  <a:shade val="50000"/>
+                </a:schemeClr>
+              </a:lnRef>
+              <a:fillRef idx="1">
+                <a:schemeClr val="accent1"/>
+              </a:fillRef>
+              <a:effectRef idx="0">
+                <a:schemeClr val="accent1"/>
+              </a:effectRef>
+              <a:fontRef idx="minor">
+                <a:schemeClr val="lt1"/>
+              </a:fontRef>
+            </p:style>
+            <p:txBody>
+              <a:bodyPr rtlCol="0" anchor="ctr"/>
+              <a:lstStyle/>
+              <a:p>
+                <a:pPr algn="ctr"/>
+                <a:r>
+                  <a:rPr lang="en-US" sz="1300" dirty="0" err="1">
+                    <a:solidFill>
+                      <a:schemeClr val="tx1"/>
+                    </a:solidFill>
+                    <a:latin typeface="Arial" panose="020B0604020202020204" pitchFamily="34" charset="0"/>
+                    <a:cs typeface="Arial" panose="020B0604020202020204" pitchFamily="34" charset="0"/>
+                  </a:rPr>
+                  <a:t>ListBondCommand</a:t>
+                </a:r>
+                <a:endParaRPr lang="en-US" sz="1300" dirty="0">
+                  <a:solidFill>
+                    <a:schemeClr val="tx1"/>
+                  </a:solidFill>
+                  <a:latin typeface="Arial" panose="020B0604020202020204" pitchFamily="34" charset="0"/>
+                  <a:cs typeface="Arial" panose="020B0604020202020204" pitchFamily="34" charset="0"/>
+                </a:endParaRPr>
+              </a:p>
+            </p:txBody>
+          </p:sp>
+          <p:sp>
+            <p:nvSpPr>
+              <p:cNvPr id="35" name="TextBox 34">
+                <a:extLst>
+                  <a:ext uri="{FF2B5EF4-FFF2-40B4-BE49-F238E27FC236}">
+                    <a16:creationId xmlns:a16="http://schemas.microsoft.com/office/drawing/2014/main" id="{B8F22118-22F8-724B-A608-C6B8DA5B7B92}"/>
+                  </a:ext>
+                </a:extLst>
+              </p:cNvPr>
+              <p:cNvSpPr txBox="1"/>
+              <p:nvPr/>
+            </p:nvSpPr>
+            <p:spPr>
+              <a:xfrm>
+                <a:off x="1303421" y="248117"/>
+                <a:ext cx="1760418" cy="369332"/>
+              </a:xfrm>
+              <a:prstGeom prst="rect">
+                <a:avLst/>
+              </a:prstGeom>
+              <a:noFill/>
+            </p:spPr>
+            <p:txBody>
+              <a:bodyPr wrap="none" rtlCol="0">
+                <a:spAutoFit/>
+              </a:bodyPr>
+              <a:lstStyle/>
+              <a:p>
+                <a:r>
+                  <a:rPr lang="en-US" b="1" dirty="0"/>
+                  <a:t>Logic, Command</a:t>
+                </a:r>
+              </a:p>
+            </p:txBody>
+          </p:sp>
+          <p:sp>
+            <p:nvSpPr>
+              <p:cNvPr id="36" name="Rounded Rectangle 144">
+                <a:extLst>
+                  <a:ext uri="{FF2B5EF4-FFF2-40B4-BE49-F238E27FC236}">
+                    <a16:creationId xmlns:a16="http://schemas.microsoft.com/office/drawing/2014/main" id="{41BF781B-F52B-DB4E-A877-76FA6702C5D1}"/>
+                  </a:ext>
+                </a:extLst>
+              </p:cNvPr>
+              <p:cNvSpPr/>
+              <p:nvPr/>
+            </p:nvSpPr>
+            <p:spPr>
+              <a:xfrm>
+                <a:off x="1303421" y="6000533"/>
+                <a:ext cx="10483775" cy="529662"/>
+              </a:xfrm>
+              <a:prstGeom prst="roundRect">
+                <a:avLst/>
+              </a:prstGeom>
+              <a:solidFill>
+                <a:schemeClr val="accent5">
+                  <a:lumMod val="60000"/>
+                  <a:lumOff val="40000"/>
+                </a:schemeClr>
+              </a:solidFill>
+              <a:ln>
+                <a:noFill/>
+              </a:ln>
+            </p:spPr>
+            <p:style>
+              <a:lnRef idx="2">
+                <a:schemeClr val="accent1">
+                  <a:shade val="50000"/>
+                </a:schemeClr>
+              </a:lnRef>
+              <a:fillRef idx="1">
+                <a:schemeClr val="accent1"/>
+              </a:fillRef>
+              <a:effectRef idx="0">
+                <a:schemeClr val="accent1"/>
+              </a:effectRef>
+              <a:fontRef idx="minor">
+                <a:schemeClr val="lt1"/>
+              </a:fontRef>
+            </p:style>
+            <p:txBody>
+              <a:bodyPr rtlCol="0" anchor="ctr"/>
+              <a:lstStyle/>
+              <a:p>
+                <a:pPr algn="ctr"/>
+                <a:r>
+                  <a:rPr lang="en-US" sz="1300" b="1">
+                    <a:solidFill>
+                      <a:schemeClr val="tx1"/>
+                    </a:solidFill>
+                    <a:latin typeface="Arial" panose="020B0604020202020204" pitchFamily="34" charset="0"/>
+                    <a:cs typeface="Arial" panose="020B0604020202020204" pitchFamily="34" charset="0"/>
+                  </a:rPr>
+                  <a:t>Model</a:t>
+                </a:r>
+              </a:p>
+            </p:txBody>
+          </p:sp>
+          <p:sp>
+            <p:nvSpPr>
+              <p:cNvPr id="37" name="Rounded Rectangle 12">
+                <a:extLst>
+                  <a:ext uri="{FF2B5EF4-FFF2-40B4-BE49-F238E27FC236}">
+                    <a16:creationId xmlns:a16="http://schemas.microsoft.com/office/drawing/2014/main" id="{E5377B7D-C22D-2E40-A755-9F7F3BC78A31}"/>
+                  </a:ext>
+                </a:extLst>
+              </p:cNvPr>
+              <p:cNvSpPr/>
+              <p:nvPr/>
+            </p:nvSpPr>
+            <p:spPr>
+              <a:xfrm rot="16200000">
+                <a:off x="-2045605" y="2712777"/>
+                <a:ext cx="5568378" cy="710702"/>
+              </a:xfrm>
+              <a:prstGeom prst="roundRect">
+                <a:avLst/>
+              </a:prstGeom>
+              <a:solidFill>
+                <a:schemeClr val="accent3">
+                  <a:lumMod val="60000"/>
+                  <a:lumOff val="40000"/>
+                </a:schemeClr>
+              </a:solidFill>
+              <a:ln>
+                <a:solidFill>
+                  <a:schemeClr val="accent3">
+                    <a:lumMod val="60000"/>
+                    <a:lumOff val="40000"/>
+                  </a:schemeClr>
+                </a:solidFill>
+              </a:ln>
+            </p:spPr>
+            <p:style>
+              <a:lnRef idx="2">
+                <a:schemeClr val="accent1">
+                  <a:shade val="50000"/>
+                </a:schemeClr>
+              </a:lnRef>
+              <a:fillRef idx="1">
+                <a:schemeClr val="accent1"/>
+              </a:fillRef>
+              <a:effectRef idx="0">
+                <a:schemeClr val="accent1"/>
+              </a:effectRef>
+              <a:fontRef idx="minor">
+                <a:schemeClr val="lt1"/>
+              </a:fontRef>
+            </p:style>
+            <p:txBody>
+              <a:bodyPr rtlCol="0" anchor="ctr"/>
+              <a:lstStyle/>
+              <a:p>
+                <a:pPr algn="ctr"/>
+                <a:r>
+                  <a:rPr lang="en-US" sz="1300" b="1">
+                    <a:solidFill>
+                      <a:schemeClr val="tx1"/>
+                    </a:solidFill>
+                    <a:latin typeface="Arial" panose="020B0604020202020204" pitchFamily="34" charset="0"/>
+                    <a:cs typeface="Arial" panose="020B0604020202020204" pitchFamily="34" charset="0"/>
+                  </a:rPr>
+                  <a:t>Main</a:t>
+                </a:r>
+              </a:p>
+            </p:txBody>
+          </p:sp>
+          <p:sp>
+            <p:nvSpPr>
+              <p:cNvPr id="38" name="Triangle 55">
+                <a:extLst>
+                  <a:ext uri="{FF2B5EF4-FFF2-40B4-BE49-F238E27FC236}">
+                    <a16:creationId xmlns:a16="http://schemas.microsoft.com/office/drawing/2014/main" id="{1E3AEC06-C64E-8345-AC0E-AB094641A76C}"/>
+                  </a:ext>
+                </a:extLst>
+              </p:cNvPr>
+              <p:cNvSpPr/>
+              <p:nvPr/>
+            </p:nvSpPr>
+            <p:spPr>
+              <a:xfrm>
+                <a:off x="6478122" y="1010293"/>
+                <a:ext cx="238306" cy="98868"/>
+              </a:xfrm>
+              <a:prstGeom prst="triangle">
+                <a:avLst/>
+              </a:prstGeom>
+              <a:noFill/>
+              <a:ln>
+                <a:solidFill>
+                  <a:schemeClr val="accent2">
+                    <a:lumMod val="75000"/>
+                  </a:schemeClr>
+                </a:solidFill>
+              </a:ln>
+            </p:spPr>
+            <p:style>
+              <a:lnRef idx="2">
+                <a:schemeClr val="accent1">
+                  <a:shade val="50000"/>
+                </a:schemeClr>
+              </a:lnRef>
+              <a:fillRef idx="1">
+                <a:schemeClr val="accent1"/>
+              </a:fillRef>
+              <a:effectRef idx="0">
+                <a:schemeClr val="accent1"/>
+              </a:effectRef>
+              <a:fontRef idx="minor">
+                <a:schemeClr val="lt1"/>
+              </a:fontRef>
+            </p:style>
+            <p:txBody>
+              <a:bodyPr rtlCol="0" anchor="ctr"/>
+              <a:lstStyle/>
+              <a:p>
+                <a:pPr algn="ctr"/>
+                <a:endParaRPr lang="en-US" sz="1300">
+                  <a:latin typeface="Arial" panose="020B0604020202020204" pitchFamily="34" charset="0"/>
+                  <a:cs typeface="Arial" panose="020B0604020202020204" pitchFamily="34" charset="0"/>
+                </a:endParaRPr>
+              </a:p>
+            </p:txBody>
+          </p:sp>
+          <p:cxnSp>
+            <p:nvCxnSpPr>
+              <p:cNvPr id="39" name="Straight Connector 38">
+                <a:extLst>
+                  <a:ext uri="{FF2B5EF4-FFF2-40B4-BE49-F238E27FC236}">
+                    <a16:creationId xmlns:a16="http://schemas.microsoft.com/office/drawing/2014/main" id="{724AA3D3-2D04-7943-8AF2-8722267C8417}"/>
+                  </a:ext>
+                </a:extLst>
+              </p:cNvPr>
+              <p:cNvCxnSpPr>
+                <a:cxnSpLocks/>
+              </p:cNvCxnSpPr>
+              <p:nvPr/>
+            </p:nvCxnSpPr>
+            <p:spPr>
+              <a:xfrm>
+                <a:off x="3034684" y="2247003"/>
+                <a:ext cx="7203440" cy="0"/>
+              </a:xfrm>
+              <a:prstGeom prst="line">
+                <a:avLst/>
+              </a:prstGeom>
+              <a:ln>
+                <a:solidFill>
+                  <a:schemeClr val="accent2">
+                    <a:lumMod val="75000"/>
+                  </a:schemeClr>
+                </a:solidFill>
+              </a:ln>
+            </p:spPr>
+            <p:style>
+              <a:lnRef idx="1">
+                <a:schemeClr val="accent4"/>
+              </a:lnRef>
+              <a:fillRef idx="0">
+                <a:schemeClr val="accent4"/>
+              </a:fillRef>
+              <a:effectRef idx="0">
+                <a:schemeClr val="accent4"/>
+              </a:effectRef>
+              <a:fontRef idx="minor">
+                <a:schemeClr val="tx1"/>
+              </a:fontRef>
+            </p:style>
+          </p:cxnSp>
+          <p:cxnSp>
+            <p:nvCxnSpPr>
+              <p:cNvPr id="40" name="Straight Connector 39">
+                <a:extLst>
+                  <a:ext uri="{FF2B5EF4-FFF2-40B4-BE49-F238E27FC236}">
+                    <a16:creationId xmlns:a16="http://schemas.microsoft.com/office/drawing/2014/main" id="{82E57307-F154-6645-B82A-198B18B4C7CD}"/>
+                  </a:ext>
+                </a:extLst>
+              </p:cNvPr>
+              <p:cNvCxnSpPr>
+                <a:cxnSpLocks/>
+              </p:cNvCxnSpPr>
+              <p:nvPr/>
+            </p:nvCxnSpPr>
+            <p:spPr>
+              <a:xfrm flipV="1">
+                <a:off x="6597275" y="1109162"/>
+                <a:ext cx="0" cy="1145309"/>
+              </a:xfrm>
+              <a:prstGeom prst="line">
+                <a:avLst/>
+              </a:prstGeom>
+              <a:ln>
+                <a:solidFill>
+                  <a:schemeClr val="accent2">
+                    <a:lumMod val="75000"/>
+                  </a:schemeClr>
+                </a:solidFill>
+              </a:ln>
+            </p:spPr>
+            <p:style>
+              <a:lnRef idx="1">
+                <a:schemeClr val="accent4"/>
+              </a:lnRef>
+              <a:fillRef idx="0">
+                <a:schemeClr val="accent4"/>
+              </a:fillRef>
+              <a:effectRef idx="0">
+                <a:schemeClr val="accent4"/>
+              </a:effectRef>
+              <a:fontRef idx="minor">
+                <a:schemeClr val="tx1"/>
+              </a:fontRef>
+            </p:style>
+          </p:cxnSp>
+          <p:cxnSp>
+            <p:nvCxnSpPr>
+              <p:cNvPr id="41" name="Straight Connector 40">
+                <a:extLst>
+                  <a:ext uri="{FF2B5EF4-FFF2-40B4-BE49-F238E27FC236}">
+                    <a16:creationId xmlns:a16="http://schemas.microsoft.com/office/drawing/2014/main" id="{90E67CA6-1F6E-4C4E-B1F0-DC97BF2534BB}"/>
+                  </a:ext>
+                </a:extLst>
+              </p:cNvPr>
+              <p:cNvCxnSpPr>
+                <a:cxnSpLocks/>
+                <a:stCxn id="31" idx="0"/>
+              </p:cNvCxnSpPr>
+              <p:nvPr/>
+            </p:nvCxnSpPr>
+            <p:spPr>
+              <a:xfrm flipV="1">
+                <a:off x="3034684" y="2254471"/>
+                <a:ext cx="0" cy="974290"/>
+              </a:xfrm>
+              <a:prstGeom prst="line">
+                <a:avLst/>
+              </a:prstGeom>
+              <a:ln>
+                <a:solidFill>
+                  <a:schemeClr val="accent2">
+                    <a:lumMod val="75000"/>
+                  </a:schemeClr>
+                </a:solidFill>
+              </a:ln>
+            </p:spPr>
+            <p:style>
+              <a:lnRef idx="1">
+                <a:schemeClr val="accent4"/>
+              </a:lnRef>
+              <a:fillRef idx="0">
+                <a:schemeClr val="accent4"/>
+              </a:fillRef>
+              <a:effectRef idx="0">
+                <a:schemeClr val="accent4"/>
+              </a:effectRef>
+              <a:fontRef idx="minor">
+                <a:schemeClr val="tx1"/>
+              </a:fontRef>
+            </p:style>
+          </p:cxnSp>
+          <p:cxnSp>
+            <p:nvCxnSpPr>
+              <p:cNvPr id="42" name="Straight Connector 41">
+                <a:extLst>
+                  <a:ext uri="{FF2B5EF4-FFF2-40B4-BE49-F238E27FC236}">
+                    <a16:creationId xmlns:a16="http://schemas.microsoft.com/office/drawing/2014/main" id="{08990E98-5276-AE46-8A23-5A0409C5E1B3}"/>
+                  </a:ext>
+                </a:extLst>
+              </p:cNvPr>
+              <p:cNvCxnSpPr>
+                <a:cxnSpLocks/>
+                <a:stCxn id="32" idx="0"/>
+              </p:cNvCxnSpPr>
+              <p:nvPr/>
+            </p:nvCxnSpPr>
+            <p:spPr>
+              <a:xfrm flipV="1">
+                <a:off x="5422284" y="2254471"/>
+                <a:ext cx="0" cy="945852"/>
+              </a:xfrm>
+              <a:prstGeom prst="line">
+                <a:avLst/>
+              </a:prstGeom>
+              <a:ln>
+                <a:solidFill>
+                  <a:schemeClr val="accent2">
+                    <a:lumMod val="75000"/>
+                  </a:schemeClr>
+                </a:solidFill>
+              </a:ln>
+            </p:spPr>
+            <p:style>
+              <a:lnRef idx="1">
+                <a:schemeClr val="accent4"/>
+              </a:lnRef>
+              <a:fillRef idx="0">
+                <a:schemeClr val="accent4"/>
+              </a:fillRef>
+              <a:effectRef idx="0">
+                <a:schemeClr val="accent4"/>
+              </a:effectRef>
+              <a:fontRef idx="minor">
+                <a:schemeClr val="tx1"/>
+              </a:fontRef>
+            </p:style>
+          </p:cxnSp>
+          <p:cxnSp>
+            <p:nvCxnSpPr>
+              <p:cNvPr id="43" name="Straight Connector 42">
+                <a:extLst>
+                  <a:ext uri="{FF2B5EF4-FFF2-40B4-BE49-F238E27FC236}">
+                    <a16:creationId xmlns:a16="http://schemas.microsoft.com/office/drawing/2014/main" id="{5C2441B4-97EE-4B40-B24F-77AE98CDEF5A}"/>
+                  </a:ext>
+                </a:extLst>
+              </p:cNvPr>
+              <p:cNvCxnSpPr>
+                <a:cxnSpLocks/>
+                <a:stCxn id="33" idx="0"/>
+              </p:cNvCxnSpPr>
+              <p:nvPr/>
+            </p:nvCxnSpPr>
+            <p:spPr>
+              <a:xfrm flipV="1">
+                <a:off x="7769244" y="2247004"/>
+                <a:ext cx="0" cy="949978"/>
+              </a:xfrm>
+              <a:prstGeom prst="line">
+                <a:avLst/>
+              </a:prstGeom>
+              <a:ln>
+                <a:solidFill>
+                  <a:schemeClr val="accent2">
+                    <a:lumMod val="75000"/>
+                  </a:schemeClr>
+                </a:solidFill>
+              </a:ln>
+            </p:spPr>
+            <p:style>
+              <a:lnRef idx="1">
+                <a:schemeClr val="accent4"/>
+              </a:lnRef>
+              <a:fillRef idx="0">
+                <a:schemeClr val="accent4"/>
+              </a:fillRef>
+              <a:effectRef idx="0">
+                <a:schemeClr val="accent4"/>
+              </a:effectRef>
+              <a:fontRef idx="minor">
+                <a:schemeClr val="tx1"/>
+              </a:fontRef>
+            </p:style>
+          </p:cxnSp>
+          <p:cxnSp>
+            <p:nvCxnSpPr>
+              <p:cNvPr id="44" name="Straight Connector 43">
+                <a:extLst>
+                  <a:ext uri="{FF2B5EF4-FFF2-40B4-BE49-F238E27FC236}">
+                    <a16:creationId xmlns:a16="http://schemas.microsoft.com/office/drawing/2014/main" id="{89720286-055F-6948-A758-2A03763E2AE9}"/>
+                  </a:ext>
+                </a:extLst>
+              </p:cNvPr>
+              <p:cNvCxnSpPr>
+                <a:cxnSpLocks/>
+                <a:stCxn id="34" idx="0"/>
+              </p:cNvCxnSpPr>
+              <p:nvPr/>
+            </p:nvCxnSpPr>
+            <p:spPr>
+              <a:xfrm flipV="1">
+                <a:off x="10238124" y="2247004"/>
+                <a:ext cx="0" cy="949786"/>
+              </a:xfrm>
+              <a:prstGeom prst="line">
+                <a:avLst/>
+              </a:prstGeom>
+              <a:ln>
+                <a:solidFill>
+                  <a:schemeClr val="accent2">
+                    <a:lumMod val="75000"/>
+                  </a:schemeClr>
+                </a:solidFill>
+              </a:ln>
+            </p:spPr>
+            <p:style>
+              <a:lnRef idx="1">
+                <a:schemeClr val="accent4"/>
+              </a:lnRef>
+              <a:fillRef idx="0">
+                <a:schemeClr val="accent4"/>
+              </a:fillRef>
+              <a:effectRef idx="0">
+                <a:schemeClr val="accent4"/>
+              </a:effectRef>
+              <a:fontRef idx="minor">
+                <a:schemeClr val="tx1"/>
+              </a:fontRef>
+            </p:style>
+          </p:cxnSp>
+          <p:cxnSp>
+            <p:nvCxnSpPr>
+              <p:cNvPr id="45" name="Straight Connector 44">
+                <a:extLst>
+                  <a:ext uri="{FF2B5EF4-FFF2-40B4-BE49-F238E27FC236}">
+                    <a16:creationId xmlns:a16="http://schemas.microsoft.com/office/drawing/2014/main" id="{99B81AA1-CF3A-1641-AAC4-E1166A45A68B}"/>
+                  </a:ext>
+                </a:extLst>
+              </p:cNvPr>
+              <p:cNvCxnSpPr>
+                <a:cxnSpLocks/>
+              </p:cNvCxnSpPr>
+              <p:nvPr/>
+            </p:nvCxnSpPr>
+            <p:spPr>
+              <a:xfrm>
+                <a:off x="3034684" y="4610997"/>
+                <a:ext cx="7203440" cy="0"/>
+              </a:xfrm>
+              <a:prstGeom prst="line">
+                <a:avLst/>
+              </a:prstGeom>
+              <a:ln>
+                <a:solidFill>
+                  <a:schemeClr val="accent2">
+                    <a:lumMod val="75000"/>
+                  </a:schemeClr>
+                </a:solidFill>
+              </a:ln>
+            </p:spPr>
+            <p:style>
+              <a:lnRef idx="1">
+                <a:schemeClr val="accent4"/>
+              </a:lnRef>
+              <a:fillRef idx="0">
+                <a:schemeClr val="accent4"/>
+              </a:fillRef>
+              <a:effectRef idx="0">
+                <a:schemeClr val="accent4"/>
+              </a:effectRef>
+              <a:fontRef idx="minor">
+                <a:schemeClr val="tx1"/>
+              </a:fontRef>
+            </p:style>
+          </p:cxnSp>
+          <p:cxnSp>
+            <p:nvCxnSpPr>
+              <p:cNvPr id="46" name="Straight Connector 45">
+                <a:extLst>
+                  <a:ext uri="{FF2B5EF4-FFF2-40B4-BE49-F238E27FC236}">
+                    <a16:creationId xmlns:a16="http://schemas.microsoft.com/office/drawing/2014/main" id="{92AF72D7-81E7-8847-B10A-370694C0F4B2}"/>
+                  </a:ext>
+                </a:extLst>
+              </p:cNvPr>
+              <p:cNvCxnSpPr>
+                <a:cxnSpLocks/>
+                <a:stCxn id="31" idx="2"/>
+              </p:cNvCxnSpPr>
+              <p:nvPr/>
+            </p:nvCxnSpPr>
+            <p:spPr>
+              <a:xfrm>
+                <a:off x="3034684" y="3598093"/>
+                <a:ext cx="0" cy="1012904"/>
+              </a:xfrm>
+              <a:prstGeom prst="line">
+                <a:avLst/>
+              </a:prstGeom>
+              <a:ln>
+                <a:solidFill>
+                  <a:schemeClr val="accent2">
+                    <a:lumMod val="75000"/>
+                  </a:schemeClr>
+                </a:solidFill>
+              </a:ln>
+            </p:spPr>
+            <p:style>
+              <a:lnRef idx="1">
+                <a:schemeClr val="accent4"/>
+              </a:lnRef>
+              <a:fillRef idx="0">
+                <a:schemeClr val="accent4"/>
+              </a:fillRef>
+              <a:effectRef idx="0">
+                <a:schemeClr val="accent4"/>
+              </a:effectRef>
+              <a:fontRef idx="minor">
+                <a:schemeClr val="tx1"/>
+              </a:fontRef>
+            </p:style>
+          </p:cxnSp>
+          <p:cxnSp>
+            <p:nvCxnSpPr>
+              <p:cNvPr id="47" name="Straight Connector 46">
+                <a:extLst>
+                  <a:ext uri="{FF2B5EF4-FFF2-40B4-BE49-F238E27FC236}">
+                    <a16:creationId xmlns:a16="http://schemas.microsoft.com/office/drawing/2014/main" id="{77FD09C4-C623-9C49-B837-5E68A66FF6D9}"/>
+                  </a:ext>
+                </a:extLst>
+              </p:cNvPr>
+              <p:cNvCxnSpPr>
+                <a:cxnSpLocks/>
+                <a:endCxn id="32" idx="2"/>
+              </p:cNvCxnSpPr>
+              <p:nvPr/>
+            </p:nvCxnSpPr>
+            <p:spPr>
+              <a:xfrm flipV="1">
+                <a:off x="5422284" y="3569655"/>
+                <a:ext cx="0" cy="1041342"/>
+              </a:xfrm>
+              <a:prstGeom prst="line">
+                <a:avLst/>
+              </a:prstGeom>
+              <a:ln>
+                <a:solidFill>
+                  <a:schemeClr val="accent2">
+                    <a:lumMod val="75000"/>
+                  </a:schemeClr>
+                </a:solidFill>
+              </a:ln>
+            </p:spPr>
+            <p:style>
+              <a:lnRef idx="1">
+                <a:schemeClr val="accent4"/>
+              </a:lnRef>
+              <a:fillRef idx="0">
+                <a:schemeClr val="accent4"/>
+              </a:fillRef>
+              <a:effectRef idx="0">
+                <a:schemeClr val="accent4"/>
+              </a:effectRef>
+              <a:fontRef idx="minor">
+                <a:schemeClr val="tx1"/>
+              </a:fontRef>
+            </p:style>
+          </p:cxnSp>
+          <p:cxnSp>
+            <p:nvCxnSpPr>
+              <p:cNvPr id="48" name="Straight Connector 47">
+                <a:extLst>
+                  <a:ext uri="{FF2B5EF4-FFF2-40B4-BE49-F238E27FC236}">
+                    <a16:creationId xmlns:a16="http://schemas.microsoft.com/office/drawing/2014/main" id="{E5C6EF9F-8A38-BA46-BEDC-DB2EFDBD61A7}"/>
+                  </a:ext>
+                </a:extLst>
+              </p:cNvPr>
+              <p:cNvCxnSpPr>
+                <a:cxnSpLocks/>
+                <a:endCxn id="33" idx="2"/>
+              </p:cNvCxnSpPr>
+              <p:nvPr/>
+            </p:nvCxnSpPr>
+            <p:spPr>
+              <a:xfrm flipV="1">
+                <a:off x="7769244" y="3566314"/>
+                <a:ext cx="0" cy="1044682"/>
+              </a:xfrm>
+              <a:prstGeom prst="line">
+                <a:avLst/>
+              </a:prstGeom>
+              <a:ln>
+                <a:solidFill>
+                  <a:schemeClr val="accent2">
+                    <a:lumMod val="75000"/>
+                  </a:schemeClr>
+                </a:solidFill>
+              </a:ln>
+            </p:spPr>
+            <p:style>
+              <a:lnRef idx="1">
+                <a:schemeClr val="accent4"/>
+              </a:lnRef>
+              <a:fillRef idx="0">
+                <a:schemeClr val="accent4"/>
+              </a:fillRef>
+              <a:effectRef idx="0">
+                <a:schemeClr val="accent4"/>
+              </a:effectRef>
+              <a:fontRef idx="minor">
+                <a:schemeClr val="tx1"/>
+              </a:fontRef>
+            </p:style>
+          </p:cxnSp>
+          <p:cxnSp>
+            <p:nvCxnSpPr>
+              <p:cNvPr id="49" name="Straight Connector 48">
+                <a:extLst>
+                  <a:ext uri="{FF2B5EF4-FFF2-40B4-BE49-F238E27FC236}">
+                    <a16:creationId xmlns:a16="http://schemas.microsoft.com/office/drawing/2014/main" id="{C77CFF55-5B6E-2145-A004-893AD782D6D3}"/>
+                  </a:ext>
+                </a:extLst>
+              </p:cNvPr>
+              <p:cNvCxnSpPr>
+                <a:cxnSpLocks/>
+                <a:endCxn id="34" idx="2"/>
+              </p:cNvCxnSpPr>
+              <p:nvPr/>
+            </p:nvCxnSpPr>
+            <p:spPr>
+              <a:xfrm flipH="1" flipV="1">
+                <a:off x="10238124" y="3566123"/>
+                <a:ext cx="0" cy="1044873"/>
+              </a:xfrm>
+              <a:prstGeom prst="line">
+                <a:avLst/>
+              </a:prstGeom>
+              <a:ln>
+                <a:solidFill>
+                  <a:schemeClr val="accent2">
+                    <a:lumMod val="75000"/>
+                  </a:schemeClr>
+                </a:solidFill>
+              </a:ln>
+            </p:spPr>
+            <p:style>
+              <a:lnRef idx="1">
+                <a:schemeClr val="accent4"/>
+              </a:lnRef>
+              <a:fillRef idx="0">
+                <a:schemeClr val="accent4"/>
+              </a:fillRef>
+              <a:effectRef idx="0">
+                <a:schemeClr val="accent4"/>
+              </a:effectRef>
+              <a:fontRef idx="minor">
+                <a:schemeClr val="tx1"/>
+              </a:fontRef>
+            </p:style>
+          </p:cxnSp>
+          <p:cxnSp>
+            <p:nvCxnSpPr>
+              <p:cNvPr id="50" name="Straight Arrow Connector 49">
+                <a:extLst>
+                  <a:ext uri="{FF2B5EF4-FFF2-40B4-BE49-F238E27FC236}">
+                    <a16:creationId xmlns:a16="http://schemas.microsoft.com/office/drawing/2014/main" id="{C55CC0FB-3B01-484B-9A60-0F7934C197EF}"/>
+                  </a:ext>
+                </a:extLst>
+              </p:cNvPr>
+              <p:cNvCxnSpPr>
+                <a:cxnSpLocks/>
+                <a:stCxn id="36" idx="0"/>
+              </p:cNvCxnSpPr>
+              <p:nvPr/>
+            </p:nvCxnSpPr>
+            <p:spPr>
+              <a:xfrm flipV="1">
+                <a:off x="6545309" y="4610996"/>
+                <a:ext cx="0" cy="1389537"/>
+              </a:xfrm>
+              <a:prstGeom prst="straightConnector1">
+                <a:avLst/>
+              </a:prstGeom>
+              <a:ln>
+                <a:solidFill>
+                  <a:schemeClr val="accent2">
+                    <a:lumMod val="75000"/>
+                  </a:schemeClr>
+                </a:solidFill>
+                <a:prstDash val="solid"/>
+                <a:headEnd type="triangle"/>
+                <a:tailEnd type="none"/>
+              </a:ln>
+            </p:spPr>
+            <p:style>
+              <a:lnRef idx="1">
+                <a:schemeClr val="accent1"/>
+              </a:lnRef>
+              <a:fillRef idx="0">
+                <a:schemeClr val="accent1"/>
+              </a:fillRef>
+              <a:effectRef idx="0">
+                <a:schemeClr val="accent1"/>
+              </a:effectRef>
+              <a:fontRef idx="minor">
+                <a:schemeClr val="tx1"/>
+              </a:fontRef>
+            </p:style>
+          </p:cxnSp>
+          <p:cxnSp>
+            <p:nvCxnSpPr>
+              <p:cNvPr id="51" name="Straight Arrow Connector 50">
+                <a:extLst>
+                  <a:ext uri="{FF2B5EF4-FFF2-40B4-BE49-F238E27FC236}">
+                    <a16:creationId xmlns:a16="http://schemas.microsoft.com/office/drawing/2014/main" id="{8FCE11D9-EA26-E34E-86F3-CB5414575F4C}"/>
+                  </a:ext>
+                </a:extLst>
+              </p:cNvPr>
+              <p:cNvCxnSpPr>
+                <a:cxnSpLocks/>
+                <a:endCxn id="30" idx="1"/>
+              </p:cNvCxnSpPr>
+              <p:nvPr/>
+            </p:nvCxnSpPr>
+            <p:spPr>
+              <a:xfrm>
+                <a:off x="1093936" y="822389"/>
+                <a:ext cx="4511995" cy="0"/>
+              </a:xfrm>
+              <a:prstGeom prst="straightConnector1">
+                <a:avLst/>
+              </a:prstGeom>
+              <a:ln>
+                <a:solidFill>
+                  <a:schemeClr val="accent2">
+                    <a:lumMod val="75000"/>
+                  </a:schemeClr>
+                </a:solidFill>
+                <a:tailEnd type="triangle"/>
+              </a:ln>
+            </p:spPr>
+            <p:style>
+              <a:lnRef idx="1">
+                <a:schemeClr val="accent4"/>
+              </a:lnRef>
+              <a:fillRef idx="0">
+                <a:schemeClr val="accent4"/>
+              </a:fillRef>
+              <a:effectRef idx="0">
+                <a:schemeClr val="accent4"/>
+              </a:effectRef>
+              <a:fontRef idx="minor">
+                <a:schemeClr val="tx1"/>
+              </a:fontRef>
+            </p:style>
+          </p:cxnSp>
+        </p:grpSp>
         <p:sp>
           <p:nvSpPr>
-            <p:cNvPr id="30" name="Rounded Rectangle 14">
+            <p:cNvPr id="13" name="Rectangle 12">
               <a:extLst>
                 <a:ext uri="{FF2B5EF4-FFF2-40B4-BE49-F238E27FC236}">
-                  <a16:creationId xmlns:a16="http://schemas.microsoft.com/office/drawing/2014/main" id="{6CBF0596-4ACD-2A45-9A4B-4FE9ABC645E1}"/>
+                  <a16:creationId xmlns:a16="http://schemas.microsoft.com/office/drawing/2014/main" id="{F2312A61-2736-9D48-A376-CAAA476CADF6}"/>
                 </a:ext>
               </a:extLst>
             </p:cNvPr>
@@ -3444,1167 +4724,27 @@
           </p:nvSpPr>
           <p:spPr>
             <a:xfrm>
-              <a:off x="2073820" y="1571075"/>
-              <a:ext cx="1982688" cy="376683"/>
-            </a:xfrm>
-            <a:prstGeom prst="roundRect">
-              <a:avLst>
-                <a:gd name="adj" fmla="val 0"/>
-              </a:avLst>
-            </a:prstGeom>
-            <a:solidFill>
-              <a:srgbClr val="FFC000"/>
-            </a:solidFill>
-            <a:ln>
-              <a:solidFill>
-                <a:srgbClr val="FFC000"/>
-              </a:solidFill>
-            </a:ln>
-          </p:spPr>
-          <p:style>
-            <a:lnRef idx="2">
-              <a:schemeClr val="accent1">
-                <a:shade val="50000"/>
-              </a:schemeClr>
-            </a:lnRef>
-            <a:fillRef idx="1">
-              <a:schemeClr val="accent1"/>
-            </a:fillRef>
-            <a:effectRef idx="0">
-              <a:schemeClr val="accent1"/>
-            </a:effectRef>
-            <a:fontRef idx="minor">
-              <a:schemeClr val="lt1"/>
-            </a:fontRef>
-          </p:style>
-          <p:txBody>
-            <a:bodyPr rtlCol="0" anchor="ctr"/>
-            <a:lstStyle/>
-            <a:p>
-              <a:pPr algn="ctr"/>
-              <a:r>
-                <a:rPr lang="en-US" sz="1300" dirty="0">
-                  <a:solidFill>
-                    <a:schemeClr val="tx1"/>
-                  </a:solidFill>
-                  <a:latin typeface="Arial" panose="020B0604020202020204" pitchFamily="34" charset="0"/>
-                  <a:cs typeface="Arial" panose="020B0604020202020204" pitchFamily="34" charset="0"/>
-                </a:rPr>
-                <a:t>{abstract}</a:t>
-              </a:r>
-            </a:p>
-            <a:p>
-              <a:pPr algn="ctr"/>
-              <a:r>
-                <a:rPr lang="en-US" sz="1300" dirty="0">
-                  <a:solidFill>
-                    <a:schemeClr val="tx1"/>
-                  </a:solidFill>
-                  <a:latin typeface="Arial" panose="020B0604020202020204" pitchFamily="34" charset="0"/>
-                  <a:cs typeface="Arial" panose="020B0604020202020204" pitchFamily="34" charset="0"/>
-                </a:rPr>
-                <a:t>Command</a:t>
-              </a:r>
-            </a:p>
-          </p:txBody>
-        </p:sp>
-        <p:sp>
-          <p:nvSpPr>
-            <p:cNvPr id="31" name="Rounded Rectangle 14">
-              <a:extLst>
-                <a:ext uri="{FF2B5EF4-FFF2-40B4-BE49-F238E27FC236}">
-                  <a16:creationId xmlns:a16="http://schemas.microsoft.com/office/drawing/2014/main" id="{E2948966-4C6B-1E4D-890F-3A3762C4B76C}"/>
-                </a:ext>
-              </a:extLst>
-            </p:cNvPr>
-            <p:cNvSpPr/>
-            <p:nvPr/>
-          </p:nvSpPr>
-          <p:spPr>
-            <a:xfrm>
-              <a:off x="2043340" y="2660051"/>
-              <a:ext cx="1982688" cy="369332"/>
-            </a:xfrm>
-            <a:prstGeom prst="roundRect">
-              <a:avLst>
-                <a:gd name="adj" fmla="val 0"/>
-              </a:avLst>
-            </a:prstGeom>
-            <a:solidFill>
-              <a:srgbClr val="FFC000"/>
-            </a:solidFill>
-            <a:ln>
-              <a:solidFill>
-                <a:srgbClr val="FFC000"/>
-              </a:solidFill>
-            </a:ln>
-          </p:spPr>
-          <p:style>
-            <a:lnRef idx="2">
-              <a:schemeClr val="accent1">
-                <a:shade val="50000"/>
-              </a:schemeClr>
-            </a:lnRef>
-            <a:fillRef idx="1">
-              <a:schemeClr val="accent1"/>
-            </a:fillRef>
-            <a:effectRef idx="0">
-              <a:schemeClr val="accent1"/>
-            </a:effectRef>
-            <a:fontRef idx="minor">
-              <a:schemeClr val="lt1"/>
-            </a:fontRef>
-          </p:style>
-          <p:txBody>
-            <a:bodyPr rtlCol="0" anchor="ctr"/>
-            <a:lstStyle/>
-            <a:p>
-              <a:pPr algn="ctr"/>
-              <a:r>
-                <a:rPr lang="en-US" sz="1300" dirty="0" err="1">
-                  <a:solidFill>
-                    <a:schemeClr val="tx1"/>
-                  </a:solidFill>
-                  <a:latin typeface="Arial" panose="020B0604020202020204" pitchFamily="34" charset="0"/>
-                  <a:cs typeface="Arial" panose="020B0604020202020204" pitchFamily="34" charset="0"/>
-                </a:rPr>
-                <a:t>AddBondCommand</a:t>
-              </a:r>
-              <a:endParaRPr lang="en-US" sz="1300" dirty="0">
-                <a:solidFill>
-                  <a:schemeClr val="tx1"/>
-                </a:solidFill>
-                <a:latin typeface="Arial" panose="020B0604020202020204" pitchFamily="34" charset="0"/>
-                <a:cs typeface="Arial" panose="020B0604020202020204" pitchFamily="34" charset="0"/>
-              </a:endParaRPr>
-            </a:p>
-          </p:txBody>
-        </p:sp>
-        <p:sp>
-          <p:nvSpPr>
-            <p:cNvPr id="32" name="Rounded Rectangle 14">
-              <a:extLst>
-                <a:ext uri="{FF2B5EF4-FFF2-40B4-BE49-F238E27FC236}">
-                  <a16:creationId xmlns:a16="http://schemas.microsoft.com/office/drawing/2014/main" id="{C206F8FD-253E-5745-A14E-0CE4E57C4F39}"/>
-                </a:ext>
-              </a:extLst>
-            </p:cNvPr>
-            <p:cNvSpPr/>
-            <p:nvPr/>
-          </p:nvSpPr>
-          <p:spPr>
-            <a:xfrm>
-              <a:off x="4430940" y="2631613"/>
-              <a:ext cx="1982688" cy="369332"/>
-            </a:xfrm>
-            <a:prstGeom prst="roundRect">
-              <a:avLst>
-                <a:gd name="adj" fmla="val 0"/>
-              </a:avLst>
-            </a:prstGeom>
-            <a:solidFill>
-              <a:srgbClr val="FFC000"/>
-            </a:solidFill>
-            <a:ln>
-              <a:solidFill>
-                <a:srgbClr val="FFC000"/>
-              </a:solidFill>
-            </a:ln>
-          </p:spPr>
-          <p:style>
-            <a:lnRef idx="2">
-              <a:schemeClr val="accent1">
-                <a:shade val="50000"/>
-              </a:schemeClr>
-            </a:lnRef>
-            <a:fillRef idx="1">
-              <a:schemeClr val="accent1"/>
-            </a:fillRef>
-            <a:effectRef idx="0">
-              <a:schemeClr val="accent1"/>
-            </a:effectRef>
-            <a:fontRef idx="minor">
-              <a:schemeClr val="lt1"/>
-            </a:fontRef>
-          </p:style>
-          <p:txBody>
-            <a:bodyPr rtlCol="0" anchor="ctr"/>
-            <a:lstStyle/>
-            <a:p>
-              <a:pPr algn="ctr"/>
-              <a:r>
-                <a:rPr lang="en-US" sz="1300" err="1">
-                  <a:solidFill>
-                    <a:schemeClr val="tx1"/>
-                  </a:solidFill>
-                  <a:latin typeface="Arial" panose="020B0604020202020204" pitchFamily="34" charset="0"/>
-                  <a:cs typeface="Arial" panose="020B0604020202020204" pitchFamily="34" charset="0"/>
-                </a:rPr>
-                <a:t>DeleteBondCommand</a:t>
-              </a:r>
-              <a:endParaRPr lang="en-US" sz="1300">
-                <a:solidFill>
-                  <a:schemeClr val="tx1"/>
-                </a:solidFill>
-                <a:latin typeface="Arial" panose="020B0604020202020204" pitchFamily="34" charset="0"/>
-                <a:cs typeface="Arial" panose="020B0604020202020204" pitchFamily="34" charset="0"/>
-              </a:endParaRPr>
-            </a:p>
-          </p:txBody>
-        </p:sp>
-        <p:sp>
-          <p:nvSpPr>
-            <p:cNvPr id="33" name="Rounded Rectangle 14">
-              <a:extLst>
-                <a:ext uri="{FF2B5EF4-FFF2-40B4-BE49-F238E27FC236}">
-                  <a16:creationId xmlns:a16="http://schemas.microsoft.com/office/drawing/2014/main" id="{4184ADD4-AD28-F44C-993C-B0B867146FF5}"/>
-                </a:ext>
-              </a:extLst>
-            </p:cNvPr>
-            <p:cNvSpPr/>
-            <p:nvPr/>
-          </p:nvSpPr>
-          <p:spPr>
-            <a:xfrm>
-              <a:off x="6777900" y="2628272"/>
-              <a:ext cx="1982688" cy="369332"/>
-            </a:xfrm>
-            <a:prstGeom prst="roundRect">
-              <a:avLst>
-                <a:gd name="adj" fmla="val 0"/>
-              </a:avLst>
-            </a:prstGeom>
-            <a:solidFill>
-              <a:srgbClr val="FFC000"/>
-            </a:solidFill>
-            <a:ln>
-              <a:solidFill>
-                <a:srgbClr val="FFC000"/>
-              </a:solidFill>
-            </a:ln>
-          </p:spPr>
-          <p:style>
-            <a:lnRef idx="2">
-              <a:schemeClr val="accent1">
-                <a:shade val="50000"/>
-              </a:schemeClr>
-            </a:lnRef>
-            <a:fillRef idx="1">
-              <a:schemeClr val="accent1"/>
-            </a:fillRef>
-            <a:effectRef idx="0">
-              <a:schemeClr val="accent1"/>
-            </a:effectRef>
-            <a:fontRef idx="minor">
-              <a:schemeClr val="lt1"/>
-            </a:fontRef>
-          </p:style>
-          <p:txBody>
-            <a:bodyPr rtlCol="0" anchor="ctr"/>
-            <a:lstStyle/>
-            <a:p>
-              <a:pPr algn="ctr"/>
-              <a:r>
-                <a:rPr lang="en-US" sz="1300">
-                  <a:solidFill>
-                    <a:schemeClr val="tx1"/>
-                  </a:solidFill>
-                  <a:latin typeface="Arial" panose="020B0604020202020204" pitchFamily="34" charset="0"/>
-                  <a:cs typeface="Arial" panose="020B0604020202020204" pitchFamily="34" charset="0"/>
-                </a:rPr>
-                <a:t>EditBondCommand</a:t>
-              </a:r>
-            </a:p>
-          </p:txBody>
-        </p:sp>
-        <p:sp>
-          <p:nvSpPr>
-            <p:cNvPr id="34" name="Rounded Rectangle 14">
-              <a:extLst>
-                <a:ext uri="{FF2B5EF4-FFF2-40B4-BE49-F238E27FC236}">
-                  <a16:creationId xmlns:a16="http://schemas.microsoft.com/office/drawing/2014/main" id="{65065249-AF95-804F-850C-AFA23CA0E24C}"/>
-                </a:ext>
-              </a:extLst>
-            </p:cNvPr>
-            <p:cNvSpPr/>
-            <p:nvPr/>
-          </p:nvSpPr>
-          <p:spPr>
-            <a:xfrm>
-              <a:off x="9246780" y="2628080"/>
-              <a:ext cx="1982688" cy="369332"/>
-            </a:xfrm>
-            <a:prstGeom prst="roundRect">
-              <a:avLst>
-                <a:gd name="adj" fmla="val 0"/>
-              </a:avLst>
-            </a:prstGeom>
-            <a:solidFill>
-              <a:srgbClr val="FFC000"/>
-            </a:solidFill>
-            <a:ln>
-              <a:solidFill>
-                <a:srgbClr val="FFC000"/>
-              </a:solidFill>
-            </a:ln>
-          </p:spPr>
-          <p:style>
-            <a:lnRef idx="2">
-              <a:schemeClr val="accent1">
-                <a:shade val="50000"/>
-              </a:schemeClr>
-            </a:lnRef>
-            <a:fillRef idx="1">
-              <a:schemeClr val="accent1"/>
-            </a:fillRef>
-            <a:effectRef idx="0">
-              <a:schemeClr val="accent1"/>
-            </a:effectRef>
-            <a:fontRef idx="minor">
-              <a:schemeClr val="lt1"/>
-            </a:fontRef>
-          </p:style>
-          <p:txBody>
-            <a:bodyPr rtlCol="0" anchor="ctr"/>
-            <a:lstStyle/>
-            <a:p>
-              <a:pPr algn="ctr"/>
-              <a:r>
-                <a:rPr lang="en-US" sz="1300" err="1">
-                  <a:solidFill>
-                    <a:schemeClr val="tx1"/>
-                  </a:solidFill>
-                  <a:latin typeface="Arial" panose="020B0604020202020204" pitchFamily="34" charset="0"/>
-                  <a:cs typeface="Arial" panose="020B0604020202020204" pitchFamily="34" charset="0"/>
-                </a:rPr>
-                <a:t>ListBondCommand</a:t>
-              </a:r>
-              <a:endParaRPr lang="en-US" sz="1300">
-                <a:solidFill>
-                  <a:schemeClr val="tx1"/>
-                </a:solidFill>
-                <a:latin typeface="Arial" panose="020B0604020202020204" pitchFamily="34" charset="0"/>
-                <a:cs typeface="Arial" panose="020B0604020202020204" pitchFamily="34" charset="0"/>
-              </a:endParaRPr>
-            </a:p>
-          </p:txBody>
-        </p:sp>
-        <p:sp>
-          <p:nvSpPr>
-            <p:cNvPr id="35" name="TextBox 34">
-              <a:extLst>
-                <a:ext uri="{FF2B5EF4-FFF2-40B4-BE49-F238E27FC236}">
-                  <a16:creationId xmlns:a16="http://schemas.microsoft.com/office/drawing/2014/main" id="{B8F22118-22F8-724B-A608-C6B8DA5B7B92}"/>
-                </a:ext>
-              </a:extLst>
-            </p:cNvPr>
-            <p:cNvSpPr txBox="1"/>
-            <p:nvPr/>
-          </p:nvSpPr>
-          <p:spPr>
-            <a:xfrm>
-              <a:off x="1303421" y="248117"/>
-              <a:ext cx="3313536" cy="369332"/>
+              <a:off x="1303421" y="2014416"/>
+              <a:ext cx="1510157" cy="369332"/>
             </a:xfrm>
             <a:prstGeom prst="rect">
               <a:avLst/>
             </a:prstGeom>
-            <a:noFill/>
           </p:spPr>
           <p:txBody>
-            <a:bodyPr wrap="none" rtlCol="0">
+            <a:bodyPr wrap="none">
               <a:spAutoFit/>
             </a:bodyPr>
             <a:lstStyle/>
             <a:p>
               <a:r>
-                <a:rPr lang="en-US" b="1"/>
-                <a:t>Logic, Command, Bond Package</a:t>
+                <a:rPr lang="en-US" b="1" dirty="0"/>
+                <a:t>Bond Package</a:t>
               </a:r>
+              <a:endParaRPr lang="en-US" dirty="0"/>
             </a:p>
           </p:txBody>
         </p:sp>
-        <p:sp>
-          <p:nvSpPr>
-            <p:cNvPr id="36" name="Rounded Rectangle 144">
-              <a:extLst>
-                <a:ext uri="{FF2B5EF4-FFF2-40B4-BE49-F238E27FC236}">
-                  <a16:creationId xmlns:a16="http://schemas.microsoft.com/office/drawing/2014/main" id="{41BF781B-F52B-DB4E-A877-76FA6702C5D1}"/>
-                </a:ext>
-              </a:extLst>
-            </p:cNvPr>
-            <p:cNvSpPr/>
-            <p:nvPr/>
-          </p:nvSpPr>
-          <p:spPr>
-            <a:xfrm>
-              <a:off x="1303421" y="6000533"/>
-              <a:ext cx="10483775" cy="529662"/>
-            </a:xfrm>
-            <a:prstGeom prst="roundRect">
-              <a:avLst/>
-            </a:prstGeom>
-            <a:solidFill>
-              <a:schemeClr val="accent5">
-                <a:lumMod val="60000"/>
-                <a:lumOff val="40000"/>
-              </a:schemeClr>
-            </a:solidFill>
-            <a:ln>
-              <a:noFill/>
-            </a:ln>
-          </p:spPr>
-          <p:style>
-            <a:lnRef idx="2">
-              <a:schemeClr val="accent1">
-                <a:shade val="50000"/>
-              </a:schemeClr>
-            </a:lnRef>
-            <a:fillRef idx="1">
-              <a:schemeClr val="accent1"/>
-            </a:fillRef>
-            <a:effectRef idx="0">
-              <a:schemeClr val="accent1"/>
-            </a:effectRef>
-            <a:fontRef idx="minor">
-              <a:schemeClr val="lt1"/>
-            </a:fontRef>
-          </p:style>
-          <p:txBody>
-            <a:bodyPr rtlCol="0" anchor="ctr"/>
-            <a:lstStyle/>
-            <a:p>
-              <a:pPr algn="ctr"/>
-              <a:r>
-                <a:rPr lang="en-US" sz="1300" b="1">
-                  <a:solidFill>
-                    <a:schemeClr val="tx1"/>
-                  </a:solidFill>
-                  <a:latin typeface="Arial" panose="020B0604020202020204" pitchFamily="34" charset="0"/>
-                  <a:cs typeface="Arial" panose="020B0604020202020204" pitchFamily="34" charset="0"/>
-                </a:rPr>
-                <a:t>Model</a:t>
-              </a:r>
-            </a:p>
-          </p:txBody>
-        </p:sp>
-        <p:sp>
-          <p:nvSpPr>
-            <p:cNvPr id="37" name="Rounded Rectangle 12">
-              <a:extLst>
-                <a:ext uri="{FF2B5EF4-FFF2-40B4-BE49-F238E27FC236}">
-                  <a16:creationId xmlns:a16="http://schemas.microsoft.com/office/drawing/2014/main" id="{E5377B7D-C22D-2E40-A755-9F7F3BC78A31}"/>
-                </a:ext>
-              </a:extLst>
-            </p:cNvPr>
-            <p:cNvSpPr/>
-            <p:nvPr/>
-          </p:nvSpPr>
-          <p:spPr>
-            <a:xfrm rot="16200000">
-              <a:off x="-2045605" y="2712777"/>
-              <a:ext cx="5568378" cy="710702"/>
-            </a:xfrm>
-            <a:prstGeom prst="roundRect">
-              <a:avLst/>
-            </a:prstGeom>
-            <a:solidFill>
-              <a:schemeClr val="accent3">
-                <a:lumMod val="60000"/>
-                <a:lumOff val="40000"/>
-              </a:schemeClr>
-            </a:solidFill>
-            <a:ln>
-              <a:solidFill>
-                <a:schemeClr val="accent3">
-                  <a:lumMod val="60000"/>
-                  <a:lumOff val="40000"/>
-                </a:schemeClr>
-              </a:solidFill>
-            </a:ln>
-          </p:spPr>
-          <p:style>
-            <a:lnRef idx="2">
-              <a:schemeClr val="accent1">
-                <a:shade val="50000"/>
-              </a:schemeClr>
-            </a:lnRef>
-            <a:fillRef idx="1">
-              <a:schemeClr val="accent1"/>
-            </a:fillRef>
-            <a:effectRef idx="0">
-              <a:schemeClr val="accent1"/>
-            </a:effectRef>
-            <a:fontRef idx="minor">
-              <a:schemeClr val="lt1"/>
-            </a:fontRef>
-          </p:style>
-          <p:txBody>
-            <a:bodyPr rtlCol="0" anchor="ctr"/>
-            <a:lstStyle/>
-            <a:p>
-              <a:pPr algn="ctr"/>
-              <a:r>
-                <a:rPr lang="en-US" sz="1300" b="1">
-                  <a:solidFill>
-                    <a:schemeClr val="tx1"/>
-                  </a:solidFill>
-                  <a:latin typeface="Arial" panose="020B0604020202020204" pitchFamily="34" charset="0"/>
-                  <a:cs typeface="Arial" panose="020B0604020202020204" pitchFamily="34" charset="0"/>
-                </a:rPr>
-                <a:t>Main</a:t>
-              </a:r>
-            </a:p>
-          </p:txBody>
-        </p:sp>
-        <p:sp>
-          <p:nvSpPr>
-            <p:cNvPr id="38" name="Triangle 55">
-              <a:extLst>
-                <a:ext uri="{FF2B5EF4-FFF2-40B4-BE49-F238E27FC236}">
-                  <a16:creationId xmlns:a16="http://schemas.microsoft.com/office/drawing/2014/main" id="{1E3AEC06-C64E-8345-AC0E-AB094641A76C}"/>
-                </a:ext>
-              </a:extLst>
-            </p:cNvPr>
-            <p:cNvSpPr/>
-            <p:nvPr/>
-          </p:nvSpPr>
-          <p:spPr>
-            <a:xfrm>
-              <a:off x="2917100" y="1984123"/>
-              <a:ext cx="238306" cy="98868"/>
-            </a:xfrm>
-            <a:prstGeom prst="triangle">
-              <a:avLst/>
-            </a:prstGeom>
-            <a:noFill/>
-            <a:ln>
-              <a:solidFill>
-                <a:schemeClr val="accent2">
-                  <a:lumMod val="75000"/>
-                </a:schemeClr>
-              </a:solidFill>
-            </a:ln>
-          </p:spPr>
-          <p:style>
-            <a:lnRef idx="2">
-              <a:schemeClr val="accent1">
-                <a:shade val="50000"/>
-              </a:schemeClr>
-            </a:lnRef>
-            <a:fillRef idx="1">
-              <a:schemeClr val="accent1"/>
-            </a:fillRef>
-            <a:effectRef idx="0">
-              <a:schemeClr val="accent1"/>
-            </a:effectRef>
-            <a:fontRef idx="minor">
-              <a:schemeClr val="lt1"/>
-            </a:fontRef>
-          </p:style>
-          <p:txBody>
-            <a:bodyPr rtlCol="0" anchor="ctr"/>
-            <a:lstStyle/>
-            <a:p>
-              <a:pPr algn="ctr"/>
-              <a:endParaRPr lang="en-US" sz="1300">
-                <a:latin typeface="Arial" panose="020B0604020202020204" pitchFamily="34" charset="0"/>
-                <a:cs typeface="Arial" panose="020B0604020202020204" pitchFamily="34" charset="0"/>
-              </a:endParaRPr>
-            </a:p>
-          </p:txBody>
-        </p:sp>
-        <p:cxnSp>
-          <p:nvCxnSpPr>
-            <p:cNvPr id="39" name="Straight Connector 38">
-              <a:extLst>
-                <a:ext uri="{FF2B5EF4-FFF2-40B4-BE49-F238E27FC236}">
-                  <a16:creationId xmlns:a16="http://schemas.microsoft.com/office/drawing/2014/main" id="{724AA3D3-2D04-7943-8AF2-8722267C8417}"/>
-                </a:ext>
-              </a:extLst>
-            </p:cNvPr>
-            <p:cNvCxnSpPr>
-              <a:cxnSpLocks/>
-            </p:cNvCxnSpPr>
-            <p:nvPr/>
-          </p:nvCxnSpPr>
-          <p:spPr>
-            <a:xfrm>
-              <a:off x="3034684" y="2247003"/>
-              <a:ext cx="7203440" cy="0"/>
-            </a:xfrm>
-            <a:prstGeom prst="line">
-              <a:avLst/>
-            </a:prstGeom>
-            <a:ln>
-              <a:solidFill>
-                <a:schemeClr val="accent2">
-                  <a:lumMod val="75000"/>
-                </a:schemeClr>
-              </a:solidFill>
-            </a:ln>
-          </p:spPr>
-          <p:style>
-            <a:lnRef idx="1">
-              <a:schemeClr val="accent4"/>
-            </a:lnRef>
-            <a:fillRef idx="0">
-              <a:schemeClr val="accent4"/>
-            </a:fillRef>
-            <a:effectRef idx="0">
-              <a:schemeClr val="accent4"/>
-            </a:effectRef>
-            <a:fontRef idx="minor">
-              <a:schemeClr val="tx1"/>
-            </a:fontRef>
-          </p:style>
-        </p:cxnSp>
-        <p:cxnSp>
-          <p:nvCxnSpPr>
-            <p:cNvPr id="40" name="Straight Connector 39">
-              <a:extLst>
-                <a:ext uri="{FF2B5EF4-FFF2-40B4-BE49-F238E27FC236}">
-                  <a16:creationId xmlns:a16="http://schemas.microsoft.com/office/drawing/2014/main" id="{82E57307-F154-6645-B82A-198B18B4C7CD}"/>
-                </a:ext>
-              </a:extLst>
-            </p:cNvPr>
-            <p:cNvCxnSpPr>
-              <a:cxnSpLocks/>
-              <a:endCxn id="38" idx="3"/>
-            </p:cNvCxnSpPr>
-            <p:nvPr/>
-          </p:nvCxnSpPr>
-          <p:spPr>
-            <a:xfrm flipV="1">
-              <a:off x="3036253" y="2082991"/>
-              <a:ext cx="0" cy="164012"/>
-            </a:xfrm>
-            <a:prstGeom prst="line">
-              <a:avLst/>
-            </a:prstGeom>
-            <a:ln>
-              <a:solidFill>
-                <a:schemeClr val="accent2">
-                  <a:lumMod val="75000"/>
-                </a:schemeClr>
-              </a:solidFill>
-            </a:ln>
-          </p:spPr>
-          <p:style>
-            <a:lnRef idx="1">
-              <a:schemeClr val="accent4"/>
-            </a:lnRef>
-            <a:fillRef idx="0">
-              <a:schemeClr val="accent4"/>
-            </a:fillRef>
-            <a:effectRef idx="0">
-              <a:schemeClr val="accent4"/>
-            </a:effectRef>
-            <a:fontRef idx="minor">
-              <a:schemeClr val="tx1"/>
-            </a:fontRef>
-          </p:style>
-        </p:cxnSp>
-        <p:cxnSp>
-          <p:nvCxnSpPr>
-            <p:cNvPr id="41" name="Straight Connector 40">
-              <a:extLst>
-                <a:ext uri="{FF2B5EF4-FFF2-40B4-BE49-F238E27FC236}">
-                  <a16:creationId xmlns:a16="http://schemas.microsoft.com/office/drawing/2014/main" id="{90E67CA6-1F6E-4C4E-B1F0-DC97BF2534BB}"/>
-                </a:ext>
-              </a:extLst>
-            </p:cNvPr>
-            <p:cNvCxnSpPr>
-              <a:cxnSpLocks/>
-            </p:cNvCxnSpPr>
-            <p:nvPr/>
-          </p:nvCxnSpPr>
-          <p:spPr>
-            <a:xfrm flipV="1">
-              <a:off x="3034684" y="2254470"/>
-              <a:ext cx="0" cy="405581"/>
-            </a:xfrm>
-            <a:prstGeom prst="line">
-              <a:avLst/>
-            </a:prstGeom>
-            <a:ln>
-              <a:solidFill>
-                <a:schemeClr val="accent2">
-                  <a:lumMod val="75000"/>
-                </a:schemeClr>
-              </a:solidFill>
-            </a:ln>
-          </p:spPr>
-          <p:style>
-            <a:lnRef idx="1">
-              <a:schemeClr val="accent4"/>
-            </a:lnRef>
-            <a:fillRef idx="0">
-              <a:schemeClr val="accent4"/>
-            </a:fillRef>
-            <a:effectRef idx="0">
-              <a:schemeClr val="accent4"/>
-            </a:effectRef>
-            <a:fontRef idx="minor">
-              <a:schemeClr val="tx1"/>
-            </a:fontRef>
-          </p:style>
-        </p:cxnSp>
-        <p:cxnSp>
-          <p:nvCxnSpPr>
-            <p:cNvPr id="42" name="Straight Connector 41">
-              <a:extLst>
-                <a:ext uri="{FF2B5EF4-FFF2-40B4-BE49-F238E27FC236}">
-                  <a16:creationId xmlns:a16="http://schemas.microsoft.com/office/drawing/2014/main" id="{08990E98-5276-AE46-8A23-5A0409C5E1B3}"/>
-                </a:ext>
-              </a:extLst>
-            </p:cNvPr>
-            <p:cNvCxnSpPr>
-              <a:cxnSpLocks/>
-            </p:cNvCxnSpPr>
-            <p:nvPr/>
-          </p:nvCxnSpPr>
-          <p:spPr>
-            <a:xfrm flipV="1">
-              <a:off x="5422284" y="2254470"/>
-              <a:ext cx="0" cy="377143"/>
-            </a:xfrm>
-            <a:prstGeom prst="line">
-              <a:avLst/>
-            </a:prstGeom>
-            <a:ln>
-              <a:solidFill>
-                <a:schemeClr val="accent2">
-                  <a:lumMod val="75000"/>
-                </a:schemeClr>
-              </a:solidFill>
-            </a:ln>
-          </p:spPr>
-          <p:style>
-            <a:lnRef idx="1">
-              <a:schemeClr val="accent4"/>
-            </a:lnRef>
-            <a:fillRef idx="0">
-              <a:schemeClr val="accent4"/>
-            </a:fillRef>
-            <a:effectRef idx="0">
-              <a:schemeClr val="accent4"/>
-            </a:effectRef>
-            <a:fontRef idx="minor">
-              <a:schemeClr val="tx1"/>
-            </a:fontRef>
-          </p:style>
-        </p:cxnSp>
-        <p:cxnSp>
-          <p:nvCxnSpPr>
-            <p:cNvPr id="43" name="Straight Connector 42">
-              <a:extLst>
-                <a:ext uri="{FF2B5EF4-FFF2-40B4-BE49-F238E27FC236}">
-                  <a16:creationId xmlns:a16="http://schemas.microsoft.com/office/drawing/2014/main" id="{5C2441B4-97EE-4B40-B24F-77AE98CDEF5A}"/>
-                </a:ext>
-              </a:extLst>
-            </p:cNvPr>
-            <p:cNvCxnSpPr>
-              <a:cxnSpLocks/>
-            </p:cNvCxnSpPr>
-            <p:nvPr/>
-          </p:nvCxnSpPr>
-          <p:spPr>
-            <a:xfrm flipV="1">
-              <a:off x="7769244" y="2247003"/>
-              <a:ext cx="0" cy="381269"/>
-            </a:xfrm>
-            <a:prstGeom prst="line">
-              <a:avLst/>
-            </a:prstGeom>
-            <a:ln>
-              <a:solidFill>
-                <a:schemeClr val="accent2">
-                  <a:lumMod val="75000"/>
-                </a:schemeClr>
-              </a:solidFill>
-            </a:ln>
-          </p:spPr>
-          <p:style>
-            <a:lnRef idx="1">
-              <a:schemeClr val="accent4"/>
-            </a:lnRef>
-            <a:fillRef idx="0">
-              <a:schemeClr val="accent4"/>
-            </a:fillRef>
-            <a:effectRef idx="0">
-              <a:schemeClr val="accent4"/>
-            </a:effectRef>
-            <a:fontRef idx="minor">
-              <a:schemeClr val="tx1"/>
-            </a:fontRef>
-          </p:style>
-        </p:cxnSp>
-        <p:cxnSp>
-          <p:nvCxnSpPr>
-            <p:cNvPr id="44" name="Straight Connector 43">
-              <a:extLst>
-                <a:ext uri="{FF2B5EF4-FFF2-40B4-BE49-F238E27FC236}">
-                  <a16:creationId xmlns:a16="http://schemas.microsoft.com/office/drawing/2014/main" id="{89720286-055F-6948-A758-2A03763E2AE9}"/>
-                </a:ext>
-              </a:extLst>
-            </p:cNvPr>
-            <p:cNvCxnSpPr>
-              <a:cxnSpLocks/>
-            </p:cNvCxnSpPr>
-            <p:nvPr/>
-          </p:nvCxnSpPr>
-          <p:spPr>
-            <a:xfrm flipV="1">
-              <a:off x="10238124" y="2247003"/>
-              <a:ext cx="0" cy="381077"/>
-            </a:xfrm>
-            <a:prstGeom prst="line">
-              <a:avLst/>
-            </a:prstGeom>
-            <a:ln>
-              <a:solidFill>
-                <a:schemeClr val="accent2">
-                  <a:lumMod val="75000"/>
-                </a:schemeClr>
-              </a:solidFill>
-            </a:ln>
-          </p:spPr>
-          <p:style>
-            <a:lnRef idx="1">
-              <a:schemeClr val="accent4"/>
-            </a:lnRef>
-            <a:fillRef idx="0">
-              <a:schemeClr val="accent4"/>
-            </a:fillRef>
-            <a:effectRef idx="0">
-              <a:schemeClr val="accent4"/>
-            </a:effectRef>
-            <a:fontRef idx="minor">
-              <a:schemeClr val="tx1"/>
-            </a:fontRef>
-          </p:style>
-        </p:cxnSp>
-        <p:cxnSp>
-          <p:nvCxnSpPr>
-            <p:cNvPr id="45" name="Straight Connector 44">
-              <a:extLst>
-                <a:ext uri="{FF2B5EF4-FFF2-40B4-BE49-F238E27FC236}">
-                  <a16:creationId xmlns:a16="http://schemas.microsoft.com/office/drawing/2014/main" id="{99B81AA1-CF3A-1641-AAC4-E1166A45A68B}"/>
-                </a:ext>
-              </a:extLst>
-            </p:cNvPr>
-            <p:cNvCxnSpPr>
-              <a:cxnSpLocks/>
-            </p:cNvCxnSpPr>
-            <p:nvPr/>
-          </p:nvCxnSpPr>
-          <p:spPr>
-            <a:xfrm>
-              <a:off x="3034684" y="4610997"/>
-              <a:ext cx="7203440" cy="0"/>
-            </a:xfrm>
-            <a:prstGeom prst="line">
-              <a:avLst/>
-            </a:prstGeom>
-            <a:ln>
-              <a:solidFill>
-                <a:schemeClr val="accent2">
-                  <a:lumMod val="75000"/>
-                </a:schemeClr>
-              </a:solidFill>
-            </a:ln>
-          </p:spPr>
-          <p:style>
-            <a:lnRef idx="1">
-              <a:schemeClr val="accent4"/>
-            </a:lnRef>
-            <a:fillRef idx="0">
-              <a:schemeClr val="accent4"/>
-            </a:fillRef>
-            <a:effectRef idx="0">
-              <a:schemeClr val="accent4"/>
-            </a:effectRef>
-            <a:fontRef idx="minor">
-              <a:schemeClr val="tx1"/>
-            </a:fontRef>
-          </p:style>
-        </p:cxnSp>
-        <p:cxnSp>
-          <p:nvCxnSpPr>
-            <p:cNvPr id="46" name="Straight Connector 45">
-              <a:extLst>
-                <a:ext uri="{FF2B5EF4-FFF2-40B4-BE49-F238E27FC236}">
-                  <a16:creationId xmlns:a16="http://schemas.microsoft.com/office/drawing/2014/main" id="{92AF72D7-81E7-8847-B10A-370694C0F4B2}"/>
-                </a:ext>
-              </a:extLst>
-            </p:cNvPr>
-            <p:cNvCxnSpPr>
-              <a:cxnSpLocks/>
-            </p:cNvCxnSpPr>
-            <p:nvPr/>
-          </p:nvCxnSpPr>
-          <p:spPr>
-            <a:xfrm>
-              <a:off x="3034684" y="3029383"/>
-              <a:ext cx="0" cy="1581614"/>
-            </a:xfrm>
-            <a:prstGeom prst="line">
-              <a:avLst/>
-            </a:prstGeom>
-            <a:ln>
-              <a:solidFill>
-                <a:schemeClr val="accent2">
-                  <a:lumMod val="75000"/>
-                </a:schemeClr>
-              </a:solidFill>
-            </a:ln>
-          </p:spPr>
-          <p:style>
-            <a:lnRef idx="1">
-              <a:schemeClr val="accent4"/>
-            </a:lnRef>
-            <a:fillRef idx="0">
-              <a:schemeClr val="accent4"/>
-            </a:fillRef>
-            <a:effectRef idx="0">
-              <a:schemeClr val="accent4"/>
-            </a:effectRef>
-            <a:fontRef idx="minor">
-              <a:schemeClr val="tx1"/>
-            </a:fontRef>
-          </p:style>
-        </p:cxnSp>
-        <p:cxnSp>
-          <p:nvCxnSpPr>
-            <p:cNvPr id="47" name="Straight Connector 46">
-              <a:extLst>
-                <a:ext uri="{FF2B5EF4-FFF2-40B4-BE49-F238E27FC236}">
-                  <a16:creationId xmlns:a16="http://schemas.microsoft.com/office/drawing/2014/main" id="{77FD09C4-C623-9C49-B837-5E68A66FF6D9}"/>
-                </a:ext>
-              </a:extLst>
-            </p:cNvPr>
-            <p:cNvCxnSpPr>
-              <a:cxnSpLocks/>
-            </p:cNvCxnSpPr>
-            <p:nvPr/>
-          </p:nvCxnSpPr>
-          <p:spPr>
-            <a:xfrm flipV="1">
-              <a:off x="5422284" y="2997413"/>
-              <a:ext cx="0" cy="1613584"/>
-            </a:xfrm>
-            <a:prstGeom prst="line">
-              <a:avLst/>
-            </a:prstGeom>
-            <a:ln>
-              <a:solidFill>
-                <a:schemeClr val="accent2">
-                  <a:lumMod val="75000"/>
-                </a:schemeClr>
-              </a:solidFill>
-            </a:ln>
-          </p:spPr>
-          <p:style>
-            <a:lnRef idx="1">
-              <a:schemeClr val="accent4"/>
-            </a:lnRef>
-            <a:fillRef idx="0">
-              <a:schemeClr val="accent4"/>
-            </a:fillRef>
-            <a:effectRef idx="0">
-              <a:schemeClr val="accent4"/>
-            </a:effectRef>
-            <a:fontRef idx="minor">
-              <a:schemeClr val="tx1"/>
-            </a:fontRef>
-          </p:style>
-        </p:cxnSp>
-        <p:cxnSp>
-          <p:nvCxnSpPr>
-            <p:cNvPr id="48" name="Straight Connector 47">
-              <a:extLst>
-                <a:ext uri="{FF2B5EF4-FFF2-40B4-BE49-F238E27FC236}">
-                  <a16:creationId xmlns:a16="http://schemas.microsoft.com/office/drawing/2014/main" id="{E5C6EF9F-8A38-BA46-BEDC-DB2EFDBD61A7}"/>
-                </a:ext>
-              </a:extLst>
-            </p:cNvPr>
-            <p:cNvCxnSpPr>
-              <a:cxnSpLocks/>
-            </p:cNvCxnSpPr>
-            <p:nvPr/>
-          </p:nvCxnSpPr>
-          <p:spPr>
-            <a:xfrm flipV="1">
-              <a:off x="7769244" y="2997412"/>
-              <a:ext cx="0" cy="1613584"/>
-            </a:xfrm>
-            <a:prstGeom prst="line">
-              <a:avLst/>
-            </a:prstGeom>
-            <a:ln>
-              <a:solidFill>
-                <a:schemeClr val="accent2">
-                  <a:lumMod val="75000"/>
-                </a:schemeClr>
-              </a:solidFill>
-            </a:ln>
-          </p:spPr>
-          <p:style>
-            <a:lnRef idx="1">
-              <a:schemeClr val="accent4"/>
-            </a:lnRef>
-            <a:fillRef idx="0">
-              <a:schemeClr val="accent4"/>
-            </a:fillRef>
-            <a:effectRef idx="0">
-              <a:schemeClr val="accent4"/>
-            </a:effectRef>
-            <a:fontRef idx="minor">
-              <a:schemeClr val="tx1"/>
-            </a:fontRef>
-          </p:style>
-        </p:cxnSp>
-        <p:cxnSp>
-          <p:nvCxnSpPr>
-            <p:cNvPr id="49" name="Straight Connector 48">
-              <a:extLst>
-                <a:ext uri="{FF2B5EF4-FFF2-40B4-BE49-F238E27FC236}">
-                  <a16:creationId xmlns:a16="http://schemas.microsoft.com/office/drawing/2014/main" id="{C77CFF55-5B6E-2145-A004-893AD782D6D3}"/>
-                </a:ext>
-              </a:extLst>
-            </p:cNvPr>
-            <p:cNvCxnSpPr>
-              <a:cxnSpLocks/>
-            </p:cNvCxnSpPr>
-            <p:nvPr/>
-          </p:nvCxnSpPr>
-          <p:spPr>
-            <a:xfrm flipV="1">
-              <a:off x="10241252" y="2997412"/>
-              <a:ext cx="0" cy="1613584"/>
-            </a:xfrm>
-            <a:prstGeom prst="line">
-              <a:avLst/>
-            </a:prstGeom>
-            <a:ln>
-              <a:solidFill>
-                <a:schemeClr val="accent2">
-                  <a:lumMod val="75000"/>
-                </a:schemeClr>
-              </a:solidFill>
-            </a:ln>
-          </p:spPr>
-          <p:style>
-            <a:lnRef idx="1">
-              <a:schemeClr val="accent4"/>
-            </a:lnRef>
-            <a:fillRef idx="0">
-              <a:schemeClr val="accent4"/>
-            </a:fillRef>
-            <a:effectRef idx="0">
-              <a:schemeClr val="accent4"/>
-            </a:effectRef>
-            <a:fontRef idx="minor">
-              <a:schemeClr val="tx1"/>
-            </a:fontRef>
-          </p:style>
-        </p:cxnSp>
-        <p:cxnSp>
-          <p:nvCxnSpPr>
-            <p:cNvPr id="50" name="Straight Arrow Connector 49">
-              <a:extLst>
-                <a:ext uri="{FF2B5EF4-FFF2-40B4-BE49-F238E27FC236}">
-                  <a16:creationId xmlns:a16="http://schemas.microsoft.com/office/drawing/2014/main" id="{C55CC0FB-3B01-484B-9A60-0F7934C197EF}"/>
-                </a:ext>
-              </a:extLst>
-            </p:cNvPr>
-            <p:cNvCxnSpPr>
-              <a:cxnSpLocks/>
-              <a:stCxn id="36" idx="0"/>
-            </p:cNvCxnSpPr>
-            <p:nvPr/>
-          </p:nvCxnSpPr>
-          <p:spPr>
-            <a:xfrm flipV="1">
-              <a:off x="6545309" y="4610996"/>
-              <a:ext cx="0" cy="1389537"/>
-            </a:xfrm>
-            <a:prstGeom prst="straightConnector1">
-              <a:avLst/>
-            </a:prstGeom>
-            <a:ln>
-              <a:solidFill>
-                <a:schemeClr val="accent2">
-                  <a:lumMod val="75000"/>
-                </a:schemeClr>
-              </a:solidFill>
-              <a:prstDash val="solid"/>
-              <a:headEnd type="triangle"/>
-              <a:tailEnd type="none"/>
-            </a:ln>
-          </p:spPr>
-          <p:style>
-            <a:lnRef idx="1">
-              <a:schemeClr val="accent1"/>
-            </a:lnRef>
-            <a:fillRef idx="0">
-              <a:schemeClr val="accent1"/>
-            </a:fillRef>
-            <a:effectRef idx="0">
-              <a:schemeClr val="accent1"/>
-            </a:effectRef>
-            <a:fontRef idx="minor">
-              <a:schemeClr val="tx1"/>
-            </a:fontRef>
-          </p:style>
-        </p:cxnSp>
-        <p:cxnSp>
-          <p:nvCxnSpPr>
-            <p:cNvPr id="51" name="Straight Arrow Connector 50">
-              <a:extLst>
-                <a:ext uri="{FF2B5EF4-FFF2-40B4-BE49-F238E27FC236}">
-                  <a16:creationId xmlns:a16="http://schemas.microsoft.com/office/drawing/2014/main" id="{8FCE11D9-EA26-E34E-86F3-CB5414575F4C}"/>
-                </a:ext>
-              </a:extLst>
-            </p:cNvPr>
-            <p:cNvCxnSpPr>
-              <a:cxnSpLocks/>
-            </p:cNvCxnSpPr>
-            <p:nvPr/>
-          </p:nvCxnSpPr>
-          <p:spPr>
-            <a:xfrm>
-              <a:off x="1093936" y="1763093"/>
-              <a:ext cx="979884" cy="0"/>
-            </a:xfrm>
-            <a:prstGeom prst="straightConnector1">
-              <a:avLst/>
-            </a:prstGeom>
-            <a:ln>
-              <a:solidFill>
-                <a:schemeClr val="accent2">
-                  <a:lumMod val="75000"/>
-                </a:schemeClr>
-              </a:solidFill>
-              <a:tailEnd type="triangle"/>
-            </a:ln>
-          </p:spPr>
-          <p:style>
-            <a:lnRef idx="1">
-              <a:schemeClr val="accent4"/>
-            </a:lnRef>
-            <a:fillRef idx="0">
-              <a:schemeClr val="accent4"/>
-            </a:fillRef>
-            <a:effectRef idx="0">
-              <a:schemeClr val="accent4"/>
-            </a:effectRef>
-            <a:fontRef idx="minor">
-              <a:schemeClr val="tx1"/>
-            </a:fontRef>
-          </p:style>
-        </p:cxnSp>
       </p:grpSp>
     </p:spTree>
     <p:extLst>

--- a/docs/diagrams/LogicCommandBondPackage.pptx
+++ b/docs/diagrams/LogicCommandBondPackage.pptx
@@ -261,7 +261,7 @@
           <a:p>
             <a:fld id="{0664A5E6-A9E0-3C4B-8245-724848CC6E69}" type="datetimeFigureOut">
               <a:rPr lang="en-US" smtClean="0"/>
-              <a:t>11/8/19</a:t>
+              <a:t>11/9/19</a:t>
             </a:fld>
             <a:endParaRPr lang="en-US"/>
           </a:p>
@@ -461,7 +461,7 @@
           <a:p>
             <a:fld id="{0664A5E6-A9E0-3C4B-8245-724848CC6E69}" type="datetimeFigureOut">
               <a:rPr lang="en-US" smtClean="0"/>
-              <a:t>11/8/19</a:t>
+              <a:t>11/9/19</a:t>
             </a:fld>
             <a:endParaRPr lang="en-US"/>
           </a:p>
@@ -671,7 +671,7 @@
           <a:p>
             <a:fld id="{0664A5E6-A9E0-3C4B-8245-724848CC6E69}" type="datetimeFigureOut">
               <a:rPr lang="en-US" smtClean="0"/>
-              <a:t>11/8/19</a:t>
+              <a:t>11/9/19</a:t>
             </a:fld>
             <a:endParaRPr lang="en-US"/>
           </a:p>
@@ -871,7 +871,7 @@
           <a:p>
             <a:fld id="{0664A5E6-A9E0-3C4B-8245-724848CC6E69}" type="datetimeFigureOut">
               <a:rPr lang="en-US" smtClean="0"/>
-              <a:t>11/8/19</a:t>
+              <a:t>11/9/19</a:t>
             </a:fld>
             <a:endParaRPr lang="en-US"/>
           </a:p>
@@ -1147,7 +1147,7 @@
           <a:p>
             <a:fld id="{0664A5E6-A9E0-3C4B-8245-724848CC6E69}" type="datetimeFigureOut">
               <a:rPr lang="en-US" smtClean="0"/>
-              <a:t>11/8/19</a:t>
+              <a:t>11/9/19</a:t>
             </a:fld>
             <a:endParaRPr lang="en-US"/>
           </a:p>
@@ -1415,7 +1415,7 @@
           <a:p>
             <a:fld id="{0664A5E6-A9E0-3C4B-8245-724848CC6E69}" type="datetimeFigureOut">
               <a:rPr lang="en-US" smtClean="0"/>
-              <a:t>11/8/19</a:t>
+              <a:t>11/9/19</a:t>
             </a:fld>
             <a:endParaRPr lang="en-US"/>
           </a:p>
@@ -1830,7 +1830,7 @@
           <a:p>
             <a:fld id="{0664A5E6-A9E0-3C4B-8245-724848CC6E69}" type="datetimeFigureOut">
               <a:rPr lang="en-US" smtClean="0"/>
-              <a:t>11/8/19</a:t>
+              <a:t>11/9/19</a:t>
             </a:fld>
             <a:endParaRPr lang="en-US"/>
           </a:p>
@@ -1972,7 +1972,7 @@
           <a:p>
             <a:fld id="{0664A5E6-A9E0-3C4B-8245-724848CC6E69}" type="datetimeFigureOut">
               <a:rPr lang="en-US" smtClean="0"/>
-              <a:t>11/8/19</a:t>
+              <a:t>11/9/19</a:t>
             </a:fld>
             <a:endParaRPr lang="en-US"/>
           </a:p>
@@ -2085,7 +2085,7 @@
           <a:p>
             <a:fld id="{0664A5E6-A9E0-3C4B-8245-724848CC6E69}" type="datetimeFigureOut">
               <a:rPr lang="en-US" smtClean="0"/>
-              <a:t>11/8/19</a:t>
+              <a:t>11/9/19</a:t>
             </a:fld>
             <a:endParaRPr lang="en-US"/>
           </a:p>
@@ -2398,7 +2398,7 @@
           <a:p>
             <a:fld id="{0664A5E6-A9E0-3C4B-8245-724848CC6E69}" type="datetimeFigureOut">
               <a:rPr lang="en-US" smtClean="0"/>
-              <a:t>11/8/19</a:t>
+              <a:t>11/9/19</a:t>
             </a:fld>
             <a:endParaRPr lang="en-US"/>
           </a:p>
@@ -2687,7 +2687,7 @@
           <a:p>
             <a:fld id="{0664A5E6-A9E0-3C4B-8245-724848CC6E69}" type="datetimeFigureOut">
               <a:rPr lang="en-US" smtClean="0"/>
-              <a:t>11/8/19</a:t>
+              <a:t>11/9/19</a:t>
             </a:fld>
             <a:endParaRPr lang="en-US"/>
           </a:p>
@@ -2930,7 +2930,7 @@
           <a:p>
             <a:fld id="{0664A5E6-A9E0-3C4B-8245-724848CC6E69}" type="datetimeFigureOut">
               <a:rPr lang="en-US" smtClean="0"/>
-              <a:t>11/8/19</a:t>
+              <a:t>11/9/19</a:t>
             </a:fld>
             <a:endParaRPr lang="en-US"/>
           </a:p>
@@ -3381,8 +3381,8 @@
           </p:nvSpPr>
           <p:spPr>
             <a:xfrm>
-              <a:off x="1245599" y="2021203"/>
-              <a:ext cx="10563167" cy="3826504"/>
+              <a:off x="1245599" y="1840213"/>
+              <a:ext cx="10563167" cy="4007494"/>
             </a:xfrm>
             <a:prstGeom prst="roundRect">
               <a:avLst>
@@ -3465,7 +3465,7 @@
             <p:spPr>
               <a:xfrm>
                 <a:off x="1245599" y="283939"/>
-                <a:ext cx="10563167" cy="1601200"/>
+                <a:ext cx="10563167" cy="1367932"/>
               </a:xfrm>
               <a:prstGeom prst="roundRect">
                 <a:avLst>
@@ -4724,8 +4724,8 @@
           </p:nvSpPr>
           <p:spPr>
             <a:xfrm>
-              <a:off x="1303421" y="2014416"/>
-              <a:ext cx="1510157" cy="369332"/>
+              <a:off x="1303421" y="1885138"/>
+              <a:ext cx="3198120" cy="369332"/>
             </a:xfrm>
             <a:prstGeom prst="rect">
               <a:avLst/>
@@ -4739,7 +4739,7 @@
             <a:p>
               <a:r>
                 <a:rPr lang="en-US" b="1" dirty="0"/>
-                <a:t>Bond Package</a:t>
+                <a:t>Logic, Command, Bond Package</a:t>
               </a:r>
               <a:endParaRPr lang="en-US" dirty="0"/>
             </a:p>
